--- a/docs/diagrams/AddEventCommandSequenceDiagram.pptx
+++ b/docs/diagrams/AddEventCommandSequenceDiagram.pptx
@@ -5,7 +5,7 @@
     <p:sldMasterId id="2147483648" r:id="rId1"/>
   </p:sldMasterIdLst>
   <p:sldIdLst>
-    <p:sldId id="256" r:id="rId2"/>
+    <p:sldId id="257" r:id="rId2"/>
   </p:sldIdLst>
   <p:sldSz cx="9144000" cy="6858000" type="screen4x3"/>
   <p:notesSz cx="6858000" cy="9144000"/>
@@ -305,7 +305,7 @@
             <a:fld id="{8151F6BF-3986-48D8-86F9-857EFF229DCD}" type="datetimeFigureOut">
               <a:rPr lang="en-SG" smtClean="0"/>
               <a:pPr/>
-              <a:t>4/4/2018</a:t>
+              <a:t>14/4/2018</a:t>
             </a:fld>
             <a:endParaRPr lang="en-SG"/>
           </a:p>
@@ -472,7 +472,7 @@
             <a:fld id="{8151F6BF-3986-48D8-86F9-857EFF229DCD}" type="datetimeFigureOut">
               <a:rPr lang="en-SG" smtClean="0"/>
               <a:pPr/>
-              <a:t>4/4/2018</a:t>
+              <a:t>14/4/2018</a:t>
             </a:fld>
             <a:endParaRPr lang="en-SG"/>
           </a:p>
@@ -649,7 +649,7 @@
             <a:fld id="{8151F6BF-3986-48D8-86F9-857EFF229DCD}" type="datetimeFigureOut">
               <a:rPr lang="en-SG" smtClean="0"/>
               <a:pPr/>
-              <a:t>4/4/2018</a:t>
+              <a:t>14/4/2018</a:t>
             </a:fld>
             <a:endParaRPr lang="en-SG"/>
           </a:p>
@@ -816,7 +816,7 @@
             <a:fld id="{8151F6BF-3986-48D8-86F9-857EFF229DCD}" type="datetimeFigureOut">
               <a:rPr lang="en-SG" smtClean="0"/>
               <a:pPr/>
-              <a:t>4/4/2018</a:t>
+              <a:t>14/4/2018</a:t>
             </a:fld>
             <a:endParaRPr lang="en-SG"/>
           </a:p>
@@ -1059,7 +1059,7 @@
             <a:fld id="{8151F6BF-3986-48D8-86F9-857EFF229DCD}" type="datetimeFigureOut">
               <a:rPr lang="en-SG" smtClean="0"/>
               <a:pPr/>
-              <a:t>4/4/2018</a:t>
+              <a:t>14/4/2018</a:t>
             </a:fld>
             <a:endParaRPr lang="en-SG"/>
           </a:p>
@@ -1344,7 +1344,7 @@
             <a:fld id="{8151F6BF-3986-48D8-86F9-857EFF229DCD}" type="datetimeFigureOut">
               <a:rPr lang="en-SG" smtClean="0"/>
               <a:pPr/>
-              <a:t>4/4/2018</a:t>
+              <a:t>14/4/2018</a:t>
             </a:fld>
             <a:endParaRPr lang="en-SG"/>
           </a:p>
@@ -1763,7 +1763,7 @@
             <a:fld id="{8151F6BF-3986-48D8-86F9-857EFF229DCD}" type="datetimeFigureOut">
               <a:rPr lang="en-SG" smtClean="0"/>
               <a:pPr/>
-              <a:t>4/4/2018</a:t>
+              <a:t>14/4/2018</a:t>
             </a:fld>
             <a:endParaRPr lang="en-SG"/>
           </a:p>
@@ -1878,7 +1878,7 @@
             <a:fld id="{8151F6BF-3986-48D8-86F9-857EFF229DCD}" type="datetimeFigureOut">
               <a:rPr lang="en-SG" smtClean="0"/>
               <a:pPr/>
-              <a:t>4/4/2018</a:t>
+              <a:t>14/4/2018</a:t>
             </a:fld>
             <a:endParaRPr lang="en-SG"/>
           </a:p>
@@ -1970,7 +1970,7 @@
             <a:fld id="{8151F6BF-3986-48D8-86F9-857EFF229DCD}" type="datetimeFigureOut">
               <a:rPr lang="en-SG" smtClean="0"/>
               <a:pPr/>
-              <a:t>4/4/2018</a:t>
+              <a:t>14/4/2018</a:t>
             </a:fld>
             <a:endParaRPr lang="en-SG"/>
           </a:p>
@@ -2244,7 +2244,7 @@
             <a:fld id="{8151F6BF-3986-48D8-86F9-857EFF229DCD}" type="datetimeFigureOut">
               <a:rPr lang="en-SG" smtClean="0"/>
               <a:pPr/>
-              <a:t>4/4/2018</a:t>
+              <a:t>14/4/2018</a:t>
             </a:fld>
             <a:endParaRPr lang="en-SG"/>
           </a:p>
@@ -2494,7 +2494,7 @@
             <a:fld id="{8151F6BF-3986-48D8-86F9-857EFF229DCD}" type="datetimeFigureOut">
               <a:rPr lang="en-SG" smtClean="0"/>
               <a:pPr/>
-              <a:t>4/4/2018</a:t>
+              <a:t>14/4/2018</a:t>
             </a:fld>
             <a:endParaRPr lang="en-SG"/>
           </a:p>
@@ -2704,7 +2704,7 @@
             <a:fld id="{8151F6BF-3986-48D8-86F9-857EFF229DCD}" type="datetimeFigureOut">
               <a:rPr lang="en-SG" smtClean="0"/>
               <a:pPr/>
-              <a:t>4/4/2018</a:t>
+              <a:t>14/4/2018</a:t>
             </a:fld>
             <a:endParaRPr lang="en-SG"/>
           </a:p>
@@ -3077,14 +3077,20 @@
       </p:grpSpPr>
       <p:sp>
         <p:nvSpPr>
-          <p:cNvPr id="43" name="Rectangle 65"/>
+          <p:cNvPr id="4" name="Rectangle 65">
+            <a:extLst>
+              <a:ext uri="{FF2B5EF4-FFF2-40B4-BE49-F238E27FC236}">
+                <a16:creationId xmlns:a16="http://schemas.microsoft.com/office/drawing/2014/main" id="{B825260E-FD4C-48DC-8669-90641D3A5A96}"/>
+              </a:ext>
+            </a:extLst>
+          </p:cNvPr>
           <p:cNvSpPr/>
           <p:nvPr/>
         </p:nvSpPr>
         <p:spPr>
           <a:xfrm>
-            <a:off x="796513" y="1257300"/>
-            <a:ext cx="7550974" cy="4343400"/>
+            <a:off x="233062" y="620688"/>
+            <a:ext cx="8784976" cy="5472608"/>
           </a:xfrm>
           <a:prstGeom prst="roundRect">
             <a:avLst>
@@ -3232,13 +3238,19 @@
       </p:sp>
       <p:sp>
         <p:nvSpPr>
-          <p:cNvPr id="44" name="Rectangle 43"/>
+          <p:cNvPr id="5" name="Rectangle 4">
+            <a:extLst>
+              <a:ext uri="{FF2B5EF4-FFF2-40B4-BE49-F238E27FC236}">
+                <a16:creationId xmlns:a16="http://schemas.microsoft.com/office/drawing/2014/main" id="{388FC2AD-1EA3-42AF-A6F9-6BC34FB5BEE3}"/>
+              </a:ext>
+            </a:extLst>
+          </p:cNvPr>
           <p:cNvSpPr/>
           <p:nvPr/>
         </p:nvSpPr>
         <p:spPr>
           <a:xfrm>
-            <a:off x="1346715" y="1593784"/>
+            <a:off x="502150" y="919715"/>
             <a:ext cx="1455629" cy="346760"/>
           </a:xfrm>
           <a:prstGeom prst="rect">
@@ -3373,15 +3385,7 @@
                   <a:schemeClr val="bg1"/>
                 </a:solidFill>
               </a:rPr>
-              <a:t>:</a:t>
-            </a:r>
-            <a:r>
-              <a:rPr lang="en-US" sz="1600" dirty="0" err="1">
-                <a:solidFill>
-                  <a:schemeClr val="bg1"/>
-                </a:solidFill>
-              </a:rPr>
-              <a:t>LogicManager</a:t>
+              <a:t>:LogicManager</a:t>
             </a:r>
             <a:endParaRPr lang="en-SG" sz="1600" dirty="0">
               <a:solidFill>
@@ -3393,7 +3397,13 @@
       </p:sp>
       <p:cxnSp>
         <p:nvCxnSpPr>
-          <p:cNvPr id="45" name="Straight Connector 44"/>
+          <p:cNvPr id="6" name="Straight Connector 5">
+            <a:extLst>
+              <a:ext uri="{FF2B5EF4-FFF2-40B4-BE49-F238E27FC236}">
+                <a16:creationId xmlns:a16="http://schemas.microsoft.com/office/drawing/2014/main" id="{7B716500-F331-47A1-977C-6E9077B0640D}"/>
+              </a:ext>
+            </a:extLst>
+          </p:cNvPr>
           <p:cNvCxnSpPr>
             <a:cxnSpLocks/>
           </p:cNvCxnSpPr>
@@ -3401,8 +3411,8 @@
         </p:nvCxnSpPr>
         <p:spPr>
           <a:xfrm>
-            <a:off x="2074529" y="1957455"/>
-            <a:ext cx="0" cy="3481399"/>
+            <a:off x="1229965" y="1302011"/>
+            <a:ext cx="0" cy="4611285"/>
           </a:xfrm>
           <a:prstGeom prst="line">
             <a:avLst/>
@@ -3432,14 +3442,20 @@
       </p:cxnSp>
       <p:sp>
         <p:nvSpPr>
-          <p:cNvPr id="46" name="Rectangle 45"/>
+          <p:cNvPr id="7" name="Rectangle 6">
+            <a:extLst>
+              <a:ext uri="{FF2B5EF4-FFF2-40B4-BE49-F238E27FC236}">
+                <a16:creationId xmlns:a16="http://schemas.microsoft.com/office/drawing/2014/main" id="{D794A854-EEE5-46E3-9A81-092CD9B4D921}"/>
+              </a:ext>
+            </a:extLst>
+          </p:cNvPr>
           <p:cNvSpPr/>
           <p:nvPr/>
         </p:nvSpPr>
         <p:spPr>
           <a:xfrm>
-            <a:off x="2002521" y="2308149"/>
-            <a:ext cx="152400" cy="2932689"/>
+            <a:off x="1157957" y="2226462"/>
+            <a:ext cx="152400" cy="3463200"/>
           </a:xfrm>
           <a:prstGeom prst="rect">
             <a:avLst/>
@@ -3573,13 +3589,19 @@
       </p:sp>
       <p:sp>
         <p:nvSpPr>
-          <p:cNvPr id="47" name="Rectangle 46"/>
+          <p:cNvPr id="8" name="Rectangle 7">
+            <a:extLst>
+              <a:ext uri="{FF2B5EF4-FFF2-40B4-BE49-F238E27FC236}">
+                <a16:creationId xmlns:a16="http://schemas.microsoft.com/office/drawing/2014/main" id="{CF51989F-7C8B-47B1-8156-5DF88E92569D}"/>
+              </a:ext>
+            </a:extLst>
+          </p:cNvPr>
           <p:cNvSpPr/>
           <p:nvPr/>
         </p:nvSpPr>
         <p:spPr>
           <a:xfrm>
-            <a:off x="4102922" y="1455949"/>
+            <a:off x="2578766" y="1052736"/>
             <a:ext cx="1219200" cy="467684"/>
           </a:xfrm>
           <a:prstGeom prst="rect">
@@ -3720,7 +3742,7 @@
           <a:p>
             <a:pPr algn="ctr"/>
             <a:r>
-              <a:rPr lang="en-US" sz="1600" dirty="0" err="1">
+              <a:rPr lang="en-US" sz="1600" dirty="0">
                 <a:solidFill>
                   <a:schemeClr val="bg1"/>
                 </a:solidFill>
@@ -3737,7 +3759,13 @@
       </p:sp>
       <p:cxnSp>
         <p:nvCxnSpPr>
-          <p:cNvPr id="48" name="Straight Connector 47"/>
+          <p:cNvPr id="9" name="Straight Connector 8">
+            <a:extLst>
+              <a:ext uri="{FF2B5EF4-FFF2-40B4-BE49-F238E27FC236}">
+                <a16:creationId xmlns:a16="http://schemas.microsoft.com/office/drawing/2014/main" id="{313A1734-28B0-4F71-9D7A-AFA901D538A9}"/>
+              </a:ext>
+            </a:extLst>
+          </p:cNvPr>
           <p:cNvCxnSpPr>
             <a:cxnSpLocks/>
           </p:cNvCxnSpPr>
@@ -3745,8 +3773,8 @@
         </p:nvCxnSpPr>
         <p:spPr>
           <a:xfrm>
-            <a:off x="4716321" y="1940544"/>
-            <a:ext cx="0" cy="1482984"/>
+            <a:off x="3115221" y="1413056"/>
+            <a:ext cx="0" cy="2844000"/>
           </a:xfrm>
           <a:prstGeom prst="line">
             <a:avLst/>
@@ -3776,14 +3804,20 @@
       </p:cxnSp>
       <p:sp>
         <p:nvSpPr>
-          <p:cNvPr id="49" name="Rectangle 48"/>
+          <p:cNvPr id="10" name="Rectangle 9">
+            <a:extLst>
+              <a:ext uri="{FF2B5EF4-FFF2-40B4-BE49-F238E27FC236}">
+                <a16:creationId xmlns:a16="http://schemas.microsoft.com/office/drawing/2014/main" id="{3334F9AF-B8D2-45B1-A497-F9202BC5AAC4}"/>
+              </a:ext>
+            </a:extLst>
+          </p:cNvPr>
           <p:cNvSpPr/>
           <p:nvPr/>
         </p:nvSpPr>
         <p:spPr>
           <a:xfrm>
-            <a:off x="4644314" y="2398737"/>
-            <a:ext cx="154408" cy="767790"/>
+            <a:off x="3043214" y="2303529"/>
+            <a:ext cx="154408" cy="1728000"/>
           </a:xfrm>
           <a:prstGeom prst="rect">
             <a:avLst/>
@@ -3921,17 +3955,22 @@
       </p:sp>
       <p:cxnSp>
         <p:nvCxnSpPr>
-          <p:cNvPr id="50" name="Straight Connector 49"/>
+          <p:cNvPr id="11" name="Straight Connector 10">
+            <a:extLst>
+              <a:ext uri="{FF2B5EF4-FFF2-40B4-BE49-F238E27FC236}">
+                <a16:creationId xmlns:a16="http://schemas.microsoft.com/office/drawing/2014/main" id="{145BA897-F5CB-4DAC-8A4B-6F3CC601D1EB}"/>
+              </a:ext>
+            </a:extLst>
+          </p:cNvPr>
           <p:cNvCxnSpPr>
             <a:cxnSpLocks/>
-            <a:stCxn id="51" idx="0"/>
           </p:cNvCxnSpPr>
           <p:nvPr/>
         </p:nvCxnSpPr>
         <p:spPr>
           <a:xfrm flipH="1">
-            <a:off x="6230980" y="2646560"/>
-            <a:ext cx="36836" cy="2644578"/>
+            <a:off x="6951514" y="3717272"/>
+            <a:ext cx="36836" cy="1980000"/>
           </a:xfrm>
           <a:prstGeom prst="line">
             <a:avLst/>
@@ -3961,14 +4000,20 @@
       </p:cxnSp>
       <p:sp>
         <p:nvSpPr>
-          <p:cNvPr id="51" name="Rectangle 50"/>
+          <p:cNvPr id="12" name="Rectangle 11">
+            <a:extLst>
+              <a:ext uri="{FF2B5EF4-FFF2-40B4-BE49-F238E27FC236}">
+                <a16:creationId xmlns:a16="http://schemas.microsoft.com/office/drawing/2014/main" id="{8C5ADEB4-1DD8-41C6-BDC6-82499D1BFE56}"/>
+              </a:ext>
+            </a:extLst>
+          </p:cNvPr>
           <p:cNvSpPr/>
           <p:nvPr/>
         </p:nvSpPr>
         <p:spPr>
           <a:xfrm>
-            <a:off x="6191616" y="2646560"/>
-            <a:ext cx="152400" cy="276003"/>
+            <a:off x="6912150" y="3681040"/>
+            <a:ext cx="152400" cy="108000"/>
           </a:xfrm>
           <a:prstGeom prst="rect">
             <a:avLst/>
@@ -4102,226 +4147,20 @@
       </p:sp>
       <p:cxnSp>
         <p:nvCxnSpPr>
-          <p:cNvPr id="52" name="Straight Arrow Connector 51"/>
+          <p:cNvPr id="13" name="Straight Arrow Connector 12">
+            <a:extLst>
+              <a:ext uri="{FF2B5EF4-FFF2-40B4-BE49-F238E27FC236}">
+                <a16:creationId xmlns:a16="http://schemas.microsoft.com/office/drawing/2014/main" id="{AB106DFD-7E14-4A7C-8B74-7AD12ABD3249}"/>
+              </a:ext>
+            </a:extLst>
+          </p:cNvPr>
           <p:cNvCxnSpPr/>
           <p:nvPr/>
         </p:nvCxnSpPr>
         <p:spPr>
           <a:xfrm>
-            <a:off x="882670" y="2311837"/>
+            <a:off x="38106" y="2230151"/>
             <a:ext cx="1119851" cy="0"/>
-          </a:xfrm>
-          <a:prstGeom prst="straightConnector1">
-            <a:avLst/>
-          </a:prstGeom>
-          <a:ln w="19050">
-            <a:solidFill>
-              <a:srgbClr val="00B050"/>
-            </a:solidFill>
-            <a:tailEnd type="arrow"/>
-          </a:ln>
-        </p:spPr>
-        <p:style>
-          <a:lnRef idx="1">
-            <a:schemeClr val="accent1"/>
-          </a:lnRef>
-          <a:fillRef idx="0">
-            <a:schemeClr val="accent1"/>
-          </a:fillRef>
-          <a:effectRef idx="0">
-            <a:schemeClr val="accent1"/>
-          </a:effectRef>
-          <a:fontRef idx="minor">
-            <a:schemeClr val="tx1"/>
-          </a:fontRef>
-        </p:style>
-      </p:cxnSp>
-      <p:sp>
-        <p:nvSpPr>
-          <p:cNvPr id="53" name="TextBox 25"/>
-          <p:cNvSpPr txBox="1"/>
-          <p:nvPr/>
-        </p:nvSpPr>
-        <p:spPr>
-          <a:xfrm>
-            <a:off x="-873570" y="2400298"/>
-            <a:ext cx="2845997" cy="646331"/>
-          </a:xfrm>
-          <a:prstGeom prst="rect">
-            <a:avLst/>
-          </a:prstGeom>
-          <a:noFill/>
-        </p:spPr>
-        <p:txBody>
-          <a:bodyPr wrap="square" lIns="0" tIns="0" rIns="0" bIns="0" rtlCol="0">
-            <a:spAutoFit/>
-          </a:bodyPr>
-          <a:lstStyle>
-            <a:defPPr>
-              <a:defRPr lang="en-US"/>
-            </a:defPPr>
-            <a:lvl1pPr marL="0" algn="l" defTabSz="914400" rtl="0" eaLnBrk="1" latinLnBrk="0" hangingPunct="1">
-              <a:defRPr sz="1800" kern="1200">
-                <a:solidFill>
-                  <a:schemeClr val="tx1"/>
-                </a:solidFill>
-                <a:latin typeface="+mn-lt"/>
-                <a:ea typeface="+mn-ea"/>
-                <a:cs typeface="+mn-cs"/>
-              </a:defRPr>
-            </a:lvl1pPr>
-            <a:lvl2pPr marL="457200" algn="l" defTabSz="914400" rtl="0" eaLnBrk="1" latinLnBrk="0" hangingPunct="1">
-              <a:defRPr sz="1800" kern="1200">
-                <a:solidFill>
-                  <a:schemeClr val="tx1"/>
-                </a:solidFill>
-                <a:latin typeface="+mn-lt"/>
-                <a:ea typeface="+mn-ea"/>
-                <a:cs typeface="+mn-cs"/>
-              </a:defRPr>
-            </a:lvl2pPr>
-            <a:lvl3pPr marL="914400" algn="l" defTabSz="914400" rtl="0" eaLnBrk="1" latinLnBrk="0" hangingPunct="1">
-              <a:defRPr sz="1800" kern="1200">
-                <a:solidFill>
-                  <a:schemeClr val="tx1"/>
-                </a:solidFill>
-                <a:latin typeface="+mn-lt"/>
-                <a:ea typeface="+mn-ea"/>
-                <a:cs typeface="+mn-cs"/>
-              </a:defRPr>
-            </a:lvl3pPr>
-            <a:lvl4pPr marL="1371600" algn="l" defTabSz="914400" rtl="0" eaLnBrk="1" latinLnBrk="0" hangingPunct="1">
-              <a:defRPr sz="1800" kern="1200">
-                <a:solidFill>
-                  <a:schemeClr val="tx1"/>
-                </a:solidFill>
-                <a:latin typeface="+mn-lt"/>
-                <a:ea typeface="+mn-ea"/>
-                <a:cs typeface="+mn-cs"/>
-              </a:defRPr>
-            </a:lvl4pPr>
-            <a:lvl5pPr marL="1828800" algn="l" defTabSz="914400" rtl="0" eaLnBrk="1" latinLnBrk="0" hangingPunct="1">
-              <a:defRPr sz="1800" kern="1200">
-                <a:solidFill>
-                  <a:schemeClr val="tx1"/>
-                </a:solidFill>
-                <a:latin typeface="+mn-lt"/>
-                <a:ea typeface="+mn-ea"/>
-                <a:cs typeface="+mn-cs"/>
-              </a:defRPr>
-            </a:lvl5pPr>
-            <a:lvl6pPr marL="2286000" algn="l" defTabSz="914400" rtl="0" eaLnBrk="1" latinLnBrk="0" hangingPunct="1">
-              <a:defRPr sz="1800" kern="1200">
-                <a:solidFill>
-                  <a:schemeClr val="tx1"/>
-                </a:solidFill>
-                <a:latin typeface="+mn-lt"/>
-                <a:ea typeface="+mn-ea"/>
-                <a:cs typeface="+mn-cs"/>
-              </a:defRPr>
-            </a:lvl6pPr>
-            <a:lvl7pPr marL="2743200" algn="l" defTabSz="914400" rtl="0" eaLnBrk="1" latinLnBrk="0" hangingPunct="1">
-              <a:defRPr sz="1800" kern="1200">
-                <a:solidFill>
-                  <a:schemeClr val="tx1"/>
-                </a:solidFill>
-                <a:latin typeface="+mn-lt"/>
-                <a:ea typeface="+mn-ea"/>
-                <a:cs typeface="+mn-cs"/>
-              </a:defRPr>
-            </a:lvl7pPr>
-            <a:lvl8pPr marL="3200400" algn="l" defTabSz="914400" rtl="0" eaLnBrk="1" latinLnBrk="0" hangingPunct="1">
-              <a:defRPr sz="1800" kern="1200">
-                <a:solidFill>
-                  <a:schemeClr val="tx1"/>
-                </a:solidFill>
-                <a:latin typeface="+mn-lt"/>
-                <a:ea typeface="+mn-ea"/>
-                <a:cs typeface="+mn-cs"/>
-              </a:defRPr>
-            </a:lvl8pPr>
-            <a:lvl9pPr marL="3657600" algn="l" defTabSz="914400" rtl="0" eaLnBrk="1" latinLnBrk="0" hangingPunct="1">
-              <a:defRPr sz="1800" kern="1200">
-                <a:solidFill>
-                  <a:schemeClr val="tx1"/>
-                </a:solidFill>
-                <a:latin typeface="+mn-lt"/>
-                <a:ea typeface="+mn-ea"/>
-                <a:cs typeface="+mn-cs"/>
-              </a:defRPr>
-            </a:lvl9pPr>
-          </a:lstStyle>
-          <a:p>
-            <a:pPr algn="r"/>
-            <a:r>
-              <a:rPr lang="en-US" sz="1400" dirty="0">
-                <a:solidFill>
-                  <a:srgbClr val="0070C0"/>
-                </a:solidFill>
-              </a:rPr>
-              <a:t>execute(“</a:t>
-            </a:r>
-            <a:r>
-              <a:rPr lang="en-US" sz="1400" dirty="0" err="1">
-                <a:solidFill>
-                  <a:srgbClr val="0070C0"/>
-                </a:solidFill>
-              </a:rPr>
-              <a:t>addevent</a:t>
-            </a:r>
-            <a:r>
-              <a:rPr lang="en-US" sz="1400" dirty="0">
-                <a:solidFill>
-                  <a:srgbClr val="0070C0"/>
-                </a:solidFill>
-              </a:rPr>
-              <a:t> et/title </a:t>
-            </a:r>
-            <a:r>
-              <a:rPr lang="en-US" sz="1400" dirty="0" err="1">
-                <a:solidFill>
-                  <a:srgbClr val="0070C0"/>
-                </a:solidFill>
-              </a:rPr>
-              <a:t>ed</a:t>
-            </a:r>
-            <a:r>
-              <a:rPr lang="en-US" sz="1400" dirty="0">
-                <a:solidFill>
-                  <a:srgbClr val="0070C0"/>
-                </a:solidFill>
-              </a:rPr>
-              <a:t>/description el/location </a:t>
-            </a:r>
-            <a:r>
-              <a:rPr lang="en-US" sz="1400" dirty="0" err="1">
-                <a:solidFill>
-                  <a:srgbClr val="0070C0"/>
-                </a:solidFill>
-              </a:rPr>
-              <a:t>edt</a:t>
-            </a:r>
-            <a:r>
-              <a:rPr lang="en-US" sz="1400" dirty="0">
-                <a:solidFill>
-                  <a:srgbClr val="0070C0"/>
-                </a:solidFill>
-              </a:rPr>
-              <a:t>/datetime”)</a:t>
-            </a:r>
-          </a:p>
-        </p:txBody>
-      </p:sp>
-      <p:cxnSp>
-        <p:nvCxnSpPr>
-          <p:cNvPr id="54" name="Straight Arrow Connector 53"/>
-          <p:cNvCxnSpPr/>
-          <p:nvPr/>
-        </p:nvCxnSpPr>
-        <p:spPr>
-          <a:xfrm flipV="1">
-            <a:off x="4801706" y="2545267"/>
-            <a:ext cx="922392" cy="1"/>
           </a:xfrm>
           <a:prstGeom prst="straightConnector1">
             <a:avLst/>
@@ -4350,14 +4189,20 @@
       </p:cxnSp>
       <p:sp>
         <p:nvSpPr>
-          <p:cNvPr id="55" name="TextBox 28"/>
+          <p:cNvPr id="14" name="TextBox 25">
+            <a:extLst>
+              <a:ext uri="{FF2B5EF4-FFF2-40B4-BE49-F238E27FC236}">
+                <a16:creationId xmlns:a16="http://schemas.microsoft.com/office/drawing/2014/main" id="{13F946C5-A4C3-46A5-8AA0-CAC3C6ECF6DC}"/>
+              </a:ext>
+            </a:extLst>
+          </p:cNvPr>
           <p:cNvSpPr txBox="1"/>
           <p:nvPr/>
         </p:nvSpPr>
         <p:spPr>
           <a:xfrm>
-            <a:off x="2732607" y="3522470"/>
-            <a:ext cx="2823328" cy="276999"/>
+            <a:off x="22464" y="1302011"/>
+            <a:ext cx="1186469" cy="923330"/>
           </a:xfrm>
           <a:prstGeom prst="rect">
             <a:avLst/>
@@ -4465,26 +4310,268 @@
           </a:lstStyle>
           <a:p>
             <a:r>
-              <a:rPr lang="en-US" dirty="0" err="1"/>
-              <a:t>executeUndoableCommand</a:t>
-            </a:r>
-            <a:r>
-              <a:rPr lang="en-US" dirty="0"/>
-              <a:t>()</a:t>
+              <a:rPr lang="en-US" sz="1200" dirty="0">
+                <a:solidFill>
+                  <a:srgbClr val="0070C0"/>
+                </a:solidFill>
+              </a:rPr>
+              <a:t>execute(“</a:t>
+            </a:r>
+            <a:r>
+              <a:rPr lang="en-US" sz="1200" dirty="0" err="1">
+                <a:solidFill>
+                  <a:srgbClr val="0070C0"/>
+                </a:solidFill>
+              </a:rPr>
+              <a:t>addevent</a:t>
+            </a:r>
+            <a:r>
+              <a:rPr lang="en-US" sz="1200" dirty="0">
+                <a:solidFill>
+                  <a:srgbClr val="0070C0"/>
+                </a:solidFill>
+              </a:rPr>
+              <a:t> et/title </a:t>
+            </a:r>
+            <a:r>
+              <a:rPr lang="en-US" sz="1200" dirty="0" err="1">
+                <a:solidFill>
+                  <a:srgbClr val="0070C0"/>
+                </a:solidFill>
+              </a:rPr>
+              <a:t>ed</a:t>
+            </a:r>
+            <a:r>
+              <a:rPr lang="en-US" sz="1200" dirty="0">
+                <a:solidFill>
+                  <a:srgbClr val="0070C0"/>
+                </a:solidFill>
+              </a:rPr>
+              <a:t>/description el/location </a:t>
+            </a:r>
+            <a:r>
+              <a:rPr lang="en-US" sz="1200" dirty="0" err="1">
+                <a:solidFill>
+                  <a:srgbClr val="0070C0"/>
+                </a:solidFill>
+              </a:rPr>
+              <a:t>edt</a:t>
+            </a:r>
+            <a:r>
+              <a:rPr lang="en-US" sz="1200" dirty="0">
+                <a:solidFill>
+                  <a:srgbClr val="0070C0"/>
+                </a:solidFill>
+              </a:rPr>
+              <a:t>/datetime”)</a:t>
             </a:r>
           </a:p>
         </p:txBody>
       </p:sp>
       <p:cxnSp>
         <p:nvCxnSpPr>
-          <p:cNvPr id="56" name="Straight Arrow Connector 55"/>
+          <p:cNvPr id="15" name="Straight Arrow Connector 14">
+            <a:extLst>
+              <a:ext uri="{FF2B5EF4-FFF2-40B4-BE49-F238E27FC236}">
+                <a16:creationId xmlns:a16="http://schemas.microsoft.com/office/drawing/2014/main" id="{6E5D3E18-0370-49B0-88B4-65FE24C3438C}"/>
+              </a:ext>
+            </a:extLst>
+          </p:cNvPr>
+          <p:cNvCxnSpPr/>
+          <p:nvPr/>
+        </p:nvCxnSpPr>
+        <p:spPr>
+          <a:xfrm flipV="1">
+            <a:off x="3186046" y="2420888"/>
+            <a:ext cx="1332000" cy="1"/>
+          </a:xfrm>
+          <a:prstGeom prst="straightConnector1">
+            <a:avLst/>
+          </a:prstGeom>
+          <a:ln w="19050">
+            <a:solidFill>
+              <a:srgbClr val="0070C0"/>
+            </a:solidFill>
+            <a:tailEnd type="arrow"/>
+          </a:ln>
+        </p:spPr>
+        <p:style>
+          <a:lnRef idx="1">
+            <a:schemeClr val="accent1"/>
+          </a:lnRef>
+          <a:fillRef idx="0">
+            <a:schemeClr val="accent1"/>
+          </a:fillRef>
+          <a:effectRef idx="0">
+            <a:schemeClr val="accent1"/>
+          </a:effectRef>
+          <a:fontRef idx="minor">
+            <a:schemeClr val="tx1"/>
+          </a:fontRef>
+        </p:style>
+      </p:cxnSp>
+      <p:sp>
+        <p:nvSpPr>
+          <p:cNvPr id="16" name="TextBox 28">
+            <a:extLst>
+              <a:ext uri="{FF2B5EF4-FFF2-40B4-BE49-F238E27FC236}">
+                <a16:creationId xmlns:a16="http://schemas.microsoft.com/office/drawing/2014/main" id="{F77C892A-53C3-4979-97A3-30BC08D89307}"/>
+              </a:ext>
+            </a:extLst>
+          </p:cNvPr>
+          <p:cNvSpPr txBox="1"/>
+          <p:nvPr/>
+        </p:nvSpPr>
+        <p:spPr>
+          <a:xfrm>
+            <a:off x="2952069" y="4293097"/>
+            <a:ext cx="2502079" cy="246221"/>
+          </a:xfrm>
+          <a:prstGeom prst="rect">
+            <a:avLst/>
+          </a:prstGeom>
+          <a:noFill/>
+        </p:spPr>
+        <p:txBody>
+          <a:bodyPr wrap="square" lIns="0" tIns="0" rIns="0" bIns="0" rtlCol="0">
+            <a:spAutoFit/>
+          </a:bodyPr>
+          <a:lstStyle>
+            <a:defPPr>
+              <a:defRPr lang="en-US"/>
+            </a:defPPr>
+            <a:lvl1pPr marL="0" algn="l" defTabSz="914400" rtl="0" eaLnBrk="1" latinLnBrk="0" hangingPunct="1">
+              <a:defRPr sz="1800" kern="1200">
+                <a:solidFill>
+                  <a:schemeClr val="tx1"/>
+                </a:solidFill>
+                <a:latin typeface="+mn-lt"/>
+                <a:ea typeface="+mn-ea"/>
+                <a:cs typeface="+mn-cs"/>
+              </a:defRPr>
+            </a:lvl1pPr>
+            <a:lvl2pPr marL="457200" algn="l" defTabSz="914400" rtl="0" eaLnBrk="1" latinLnBrk="0" hangingPunct="1">
+              <a:defRPr sz="1800" kern="1200">
+                <a:solidFill>
+                  <a:schemeClr val="tx1"/>
+                </a:solidFill>
+                <a:latin typeface="+mn-lt"/>
+                <a:ea typeface="+mn-ea"/>
+                <a:cs typeface="+mn-cs"/>
+              </a:defRPr>
+            </a:lvl2pPr>
+            <a:lvl3pPr marL="914400" algn="l" defTabSz="914400" rtl="0" eaLnBrk="1" latinLnBrk="0" hangingPunct="1">
+              <a:defRPr sz="1800" kern="1200">
+                <a:solidFill>
+                  <a:schemeClr val="tx1"/>
+                </a:solidFill>
+                <a:latin typeface="+mn-lt"/>
+                <a:ea typeface="+mn-ea"/>
+                <a:cs typeface="+mn-cs"/>
+              </a:defRPr>
+            </a:lvl3pPr>
+            <a:lvl4pPr marL="1371600" algn="l" defTabSz="914400" rtl="0" eaLnBrk="1" latinLnBrk="0" hangingPunct="1">
+              <a:defRPr sz="1800" kern="1200">
+                <a:solidFill>
+                  <a:schemeClr val="tx1"/>
+                </a:solidFill>
+                <a:latin typeface="+mn-lt"/>
+                <a:ea typeface="+mn-ea"/>
+                <a:cs typeface="+mn-cs"/>
+              </a:defRPr>
+            </a:lvl4pPr>
+            <a:lvl5pPr marL="1828800" algn="l" defTabSz="914400" rtl="0" eaLnBrk="1" latinLnBrk="0" hangingPunct="1">
+              <a:defRPr sz="1800" kern="1200">
+                <a:solidFill>
+                  <a:schemeClr val="tx1"/>
+                </a:solidFill>
+                <a:latin typeface="+mn-lt"/>
+                <a:ea typeface="+mn-ea"/>
+                <a:cs typeface="+mn-cs"/>
+              </a:defRPr>
+            </a:lvl5pPr>
+            <a:lvl6pPr marL="2286000" algn="l" defTabSz="914400" rtl="0" eaLnBrk="1" latinLnBrk="0" hangingPunct="1">
+              <a:defRPr sz="1800" kern="1200">
+                <a:solidFill>
+                  <a:schemeClr val="tx1"/>
+                </a:solidFill>
+                <a:latin typeface="+mn-lt"/>
+                <a:ea typeface="+mn-ea"/>
+                <a:cs typeface="+mn-cs"/>
+              </a:defRPr>
+            </a:lvl6pPr>
+            <a:lvl7pPr marL="2743200" algn="l" defTabSz="914400" rtl="0" eaLnBrk="1" latinLnBrk="0" hangingPunct="1">
+              <a:defRPr sz="1800" kern="1200">
+                <a:solidFill>
+                  <a:schemeClr val="tx1"/>
+                </a:solidFill>
+                <a:latin typeface="+mn-lt"/>
+                <a:ea typeface="+mn-ea"/>
+                <a:cs typeface="+mn-cs"/>
+              </a:defRPr>
+            </a:lvl7pPr>
+            <a:lvl8pPr marL="3200400" algn="l" defTabSz="914400" rtl="0" eaLnBrk="1" latinLnBrk="0" hangingPunct="1">
+              <a:defRPr sz="1800" kern="1200">
+                <a:solidFill>
+                  <a:schemeClr val="tx1"/>
+                </a:solidFill>
+                <a:latin typeface="+mn-lt"/>
+                <a:ea typeface="+mn-ea"/>
+                <a:cs typeface="+mn-cs"/>
+              </a:defRPr>
+            </a:lvl8pPr>
+            <a:lvl9pPr marL="3657600" algn="l" defTabSz="914400" rtl="0" eaLnBrk="1" latinLnBrk="0" hangingPunct="1">
+              <a:defRPr sz="1800" kern="1200">
+                <a:solidFill>
+                  <a:schemeClr val="tx1"/>
+                </a:solidFill>
+                <a:latin typeface="+mn-lt"/>
+                <a:ea typeface="+mn-ea"/>
+                <a:cs typeface="+mn-cs"/>
+              </a:defRPr>
+            </a:lvl9pPr>
+          </a:lstStyle>
+          <a:p>
+            <a:r>
+              <a:rPr lang="en-SG" sz="1600" dirty="0" err="1">
+                <a:solidFill>
+                  <a:srgbClr val="0070C0"/>
+                </a:solidFill>
+              </a:rPr>
+              <a:t>executeUndoableCommand</a:t>
+            </a:r>
+            <a:r>
+              <a:rPr lang="en-SG" sz="1600" dirty="0">
+                <a:solidFill>
+                  <a:srgbClr val="0070C0"/>
+                </a:solidFill>
+              </a:rPr>
+              <a:t>()</a:t>
+            </a:r>
+            <a:endParaRPr lang="en-US" sz="1600" dirty="0">
+              <a:solidFill>
+                <a:srgbClr val="0070C0"/>
+              </a:solidFill>
+            </a:endParaRPr>
+          </a:p>
+        </p:txBody>
+      </p:sp>
+      <p:cxnSp>
+        <p:nvCxnSpPr>
+          <p:cNvPr id="17" name="Straight Arrow Connector 16">
+            <a:extLst>
+              <a:ext uri="{FF2B5EF4-FFF2-40B4-BE49-F238E27FC236}">
+                <a16:creationId xmlns:a16="http://schemas.microsoft.com/office/drawing/2014/main" id="{897EB606-4D25-45C2-A999-5D35157EED8F}"/>
+              </a:ext>
+            </a:extLst>
+          </p:cNvPr>
           <p:cNvCxnSpPr/>
           <p:nvPr/>
         </p:nvCxnSpPr>
         <p:spPr>
           <a:xfrm>
-            <a:off x="4774842" y="2911159"/>
-            <a:ext cx="1492974" cy="0"/>
+            <a:off x="3186134" y="3933056"/>
+            <a:ext cx="2124000" cy="0"/>
           </a:xfrm>
           <a:prstGeom prst="straightConnector1">
             <a:avLst/>
@@ -4515,17 +4602,22 @@
       </p:cxnSp>
       <p:cxnSp>
         <p:nvCxnSpPr>
-          <p:cNvPr id="57" name="Straight Arrow Connector 56"/>
+          <p:cNvPr id="18" name="Straight Arrow Connector 17">
+            <a:extLst>
+              <a:ext uri="{FF2B5EF4-FFF2-40B4-BE49-F238E27FC236}">
+                <a16:creationId xmlns:a16="http://schemas.microsoft.com/office/drawing/2014/main" id="{0B39A0AB-1AA0-4864-A710-48B6ABAEBDFF}"/>
+              </a:ext>
+            </a:extLst>
+          </p:cNvPr>
           <p:cNvCxnSpPr>
             <a:cxnSpLocks/>
-            <a:endCxn id="49" idx="2"/>
           </p:cNvCxnSpPr>
           <p:nvPr/>
         </p:nvCxnSpPr>
         <p:spPr>
           <a:xfrm>
-            <a:off x="2174441" y="3166527"/>
-            <a:ext cx="2547077" cy="0"/>
+            <a:off x="1277686" y="4005064"/>
+            <a:ext cx="1746000" cy="0"/>
           </a:xfrm>
           <a:prstGeom prst="straightConnector1">
             <a:avLst/>
@@ -4556,13 +4648,19 @@
       </p:cxnSp>
       <p:cxnSp>
         <p:nvCxnSpPr>
-          <p:cNvPr id="58" name="Straight Arrow Connector 57"/>
+          <p:cNvPr id="19" name="Straight Arrow Connector 18">
+            <a:extLst>
+              <a:ext uri="{FF2B5EF4-FFF2-40B4-BE49-F238E27FC236}">
+                <a16:creationId xmlns:a16="http://schemas.microsoft.com/office/drawing/2014/main" id="{B75B85AE-C83E-4BAD-9C64-6CA3E97A4B76}"/>
+              </a:ext>
+            </a:extLst>
+          </p:cNvPr>
           <p:cNvCxnSpPr/>
           <p:nvPr/>
         </p:nvCxnSpPr>
         <p:spPr>
           <a:xfrm>
-            <a:off x="878478" y="5240838"/>
+            <a:off x="5" y="5690323"/>
             <a:ext cx="1196051" cy="0"/>
           </a:xfrm>
           <a:prstGeom prst="straightConnector1">
@@ -4594,14 +4692,20 @@
       </p:cxnSp>
       <p:sp>
         <p:nvSpPr>
-          <p:cNvPr id="59" name="Rectangle 58"/>
+          <p:cNvPr id="20" name="Rectangle 19">
+            <a:extLst>
+              <a:ext uri="{FF2B5EF4-FFF2-40B4-BE49-F238E27FC236}">
+                <a16:creationId xmlns:a16="http://schemas.microsoft.com/office/drawing/2014/main" id="{74110C20-ACBF-41B4-9FF6-02D4CCA6E475}"/>
+              </a:ext>
+            </a:extLst>
+          </p:cNvPr>
           <p:cNvSpPr/>
           <p:nvPr/>
         </p:nvSpPr>
         <p:spPr>
           <a:xfrm>
-            <a:off x="6192222" y="3764240"/>
-            <a:ext cx="161322" cy="1307285"/>
+            <a:off x="6880766" y="4581248"/>
+            <a:ext cx="161322" cy="900000"/>
           </a:xfrm>
           <a:prstGeom prst="rect">
             <a:avLst/>
@@ -4735,14 +4839,20 @@
       </p:sp>
       <p:sp>
         <p:nvSpPr>
-          <p:cNvPr id="61" name="TextBox 78"/>
+          <p:cNvPr id="21" name="TextBox 78">
+            <a:extLst>
+              <a:ext uri="{FF2B5EF4-FFF2-40B4-BE49-F238E27FC236}">
+                <a16:creationId xmlns:a16="http://schemas.microsoft.com/office/drawing/2014/main" id="{D7A1E49E-F980-4379-9F6C-DBD119989BE1}"/>
+              </a:ext>
+            </a:extLst>
+          </p:cNvPr>
           <p:cNvSpPr txBox="1"/>
           <p:nvPr/>
         </p:nvSpPr>
         <p:spPr>
           <a:xfrm>
-            <a:off x="6630196" y="3822693"/>
-            <a:ext cx="1137016" cy="184649"/>
+            <a:off x="7110334" y="4654145"/>
+            <a:ext cx="1429120" cy="246221"/>
           </a:xfrm>
           <a:prstGeom prst="rect">
             <a:avLst/>
@@ -4850,26 +4960,40 @@
           </a:lstStyle>
           <a:p>
             <a:r>
-              <a:rPr lang="en-US" sz="1200" dirty="0" err="1"/>
+              <a:rPr lang="en-US" sz="1600" dirty="0" err="1">
+                <a:solidFill>
+                  <a:srgbClr val="0070C0"/>
+                </a:solidFill>
+              </a:rPr>
               <a:t>addEvent</a:t>
             </a:r>
             <a:r>
-              <a:rPr lang="en-US" sz="1200" dirty="0"/>
-              <a:t>(Event)</a:t>
-            </a:r>
-          </a:p>
-        </p:txBody>
-      </p:sp>
-      <p:sp>
-        <p:nvSpPr>
-          <p:cNvPr id="62" name="TextBox 79"/>
+              <a:rPr lang="en-US" sz="1600" dirty="0">
+                <a:solidFill>
+                  <a:srgbClr val="0070C0"/>
+                </a:solidFill>
+              </a:rPr>
+              <a:t>(event)</a:t>
+            </a:r>
+          </a:p>
+        </p:txBody>
+      </p:sp>
+      <p:sp>
+        <p:nvSpPr>
+          <p:cNvPr id="22" name="TextBox 79">
+            <a:extLst>
+              <a:ext uri="{FF2B5EF4-FFF2-40B4-BE49-F238E27FC236}">
+                <a16:creationId xmlns:a16="http://schemas.microsoft.com/office/drawing/2014/main" id="{980400CF-7D72-4874-8F05-DCA3595225A3}"/>
+              </a:ext>
+            </a:extLst>
+          </p:cNvPr>
           <p:cNvSpPr txBox="1"/>
           <p:nvPr/>
         </p:nvSpPr>
         <p:spPr>
           <a:xfrm>
-            <a:off x="2174441" y="2135855"/>
-            <a:ext cx="2548291" cy="646331"/>
+            <a:off x="1354884" y="1703913"/>
+            <a:ext cx="1676431" cy="553998"/>
           </a:xfrm>
           <a:prstGeom prst="rect">
             <a:avLst/>
@@ -4977,66 +5101,88 @@
           </a:lstStyle>
           <a:p>
             <a:r>
-              <a:rPr lang="en-US" sz="1400" dirty="0" err="1"/>
+              <a:rPr lang="en-US" sz="1200" dirty="0" err="1">
+                <a:solidFill>
+                  <a:srgbClr val="0070C0"/>
+                </a:solidFill>
+              </a:rPr>
               <a:t>parseCommand</a:t>
             </a:r>
             <a:r>
-              <a:rPr lang="en-US" sz="1400" dirty="0"/>
+              <a:rPr lang="en-US" sz="1200" dirty="0">
+                <a:solidFill>
+                  <a:srgbClr val="0070C0"/>
+                </a:solidFill>
+              </a:rPr>
               <a:t>(“</a:t>
             </a:r>
             <a:r>
-              <a:rPr lang="fr-FR" sz="1400" dirty="0" err="1"/>
+              <a:rPr lang="en-US" sz="1200" dirty="0" err="1">
+                <a:solidFill>
+                  <a:srgbClr val="0070C0"/>
+                </a:solidFill>
+              </a:rPr>
               <a:t>addevent</a:t>
             </a:r>
             <a:r>
-              <a:rPr lang="fr-FR" sz="1400" dirty="0"/>
-              <a:t> et/</a:t>
-            </a:r>
-            <a:r>
-              <a:rPr lang="fr-FR" sz="1400" dirty="0" err="1"/>
-              <a:t>title</a:t>
-            </a:r>
-            <a:r>
-              <a:rPr lang="fr-FR" sz="1400" dirty="0"/>
-              <a:t> </a:t>
-            </a:r>
-            <a:r>
-              <a:rPr lang="fr-FR" sz="1400" dirty="0" err="1"/>
+              <a:rPr lang="en-US" sz="1200" dirty="0">
+                <a:solidFill>
+                  <a:srgbClr val="0070C0"/>
+                </a:solidFill>
+              </a:rPr>
+              <a:t> et/title </a:t>
+            </a:r>
+            <a:r>
+              <a:rPr lang="en-US" sz="1200" dirty="0" err="1">
+                <a:solidFill>
+                  <a:srgbClr val="0070C0"/>
+                </a:solidFill>
+              </a:rPr>
               <a:t>ed</a:t>
             </a:r>
             <a:r>
-              <a:rPr lang="fr-FR" sz="1400" dirty="0"/>
+              <a:rPr lang="en-US" sz="1200" dirty="0">
+                <a:solidFill>
+                  <a:srgbClr val="0070C0"/>
+                </a:solidFill>
+              </a:rPr>
               <a:t>/description el/location </a:t>
             </a:r>
             <a:r>
-              <a:rPr lang="fr-FR" sz="1400" dirty="0" err="1"/>
+              <a:rPr lang="en-US" sz="1200" dirty="0" err="1">
+                <a:solidFill>
+                  <a:srgbClr val="0070C0"/>
+                </a:solidFill>
+              </a:rPr>
               <a:t>edt</a:t>
             </a:r>
             <a:r>
-              <a:rPr lang="fr-FR" sz="1400" dirty="0"/>
-              <a:t>/</a:t>
-            </a:r>
-            <a:r>
-              <a:rPr lang="fr-FR" sz="1400" dirty="0" err="1"/>
-              <a:t>datetime</a:t>
-            </a:r>
-            <a:r>
-              <a:rPr lang="en-US" sz="1400" dirty="0"/>
-              <a:t>”)</a:t>
-            </a:r>
-          </a:p>
-        </p:txBody>
-      </p:sp>
-      <p:sp>
-        <p:nvSpPr>
-          <p:cNvPr id="63" name="TextBox 81"/>
+              <a:rPr lang="en-US" sz="1200" dirty="0">
+                <a:solidFill>
+                  <a:srgbClr val="0070C0"/>
+                </a:solidFill>
+              </a:rPr>
+              <a:t>/datetime”)</a:t>
+            </a:r>
+          </a:p>
+        </p:txBody>
+      </p:sp>
+      <p:sp>
+        <p:nvSpPr>
+          <p:cNvPr id="23" name="TextBox 81">
+            <a:extLst>
+              <a:ext uri="{FF2B5EF4-FFF2-40B4-BE49-F238E27FC236}">
+                <a16:creationId xmlns:a16="http://schemas.microsoft.com/office/drawing/2014/main" id="{757BC332-7D63-4CDC-AE17-960B612AF454}"/>
+              </a:ext>
+            </a:extLst>
+          </p:cNvPr>
           <p:cNvSpPr txBox="1"/>
           <p:nvPr/>
         </p:nvSpPr>
         <p:spPr>
           <a:xfrm>
-            <a:off x="3680899" y="4829475"/>
-            <a:ext cx="621216" cy="215444"/>
+            <a:off x="3824822" y="5229200"/>
+            <a:ext cx="621216" cy="246221"/>
           </a:xfrm>
           <a:prstGeom prst="rect">
             <a:avLst/>
@@ -5144,7 +5290,11 @@
           </a:lstStyle>
           <a:p>
             <a:r>
-              <a:rPr lang="en-US" dirty="0"/>
+              <a:rPr lang="en-US" sz="1600" dirty="0">
+                <a:solidFill>
+                  <a:srgbClr val="0070C0"/>
+                </a:solidFill>
+              </a:rPr>
               <a:t>result</a:t>
             </a:r>
           </a:p>
@@ -5152,14 +5302,20 @@
       </p:sp>
       <p:sp>
         <p:nvSpPr>
-          <p:cNvPr id="64" name="TextBox 82"/>
+          <p:cNvPr id="24" name="TextBox 82">
+            <a:extLst>
+              <a:ext uri="{FF2B5EF4-FFF2-40B4-BE49-F238E27FC236}">
+                <a16:creationId xmlns:a16="http://schemas.microsoft.com/office/drawing/2014/main" id="{D0B92D75-EEAD-46B1-A44B-1845B4262DFD}"/>
+              </a:ext>
+            </a:extLst>
+          </p:cNvPr>
           <p:cNvSpPr txBox="1"/>
           <p:nvPr/>
         </p:nvSpPr>
         <p:spPr>
           <a:xfrm>
-            <a:off x="1240218" y="4963803"/>
-            <a:ext cx="762000" cy="215444"/>
+            <a:off x="264276" y="5445224"/>
+            <a:ext cx="581362" cy="246221"/>
           </a:xfrm>
           <a:prstGeom prst="rect">
             <a:avLst/>
@@ -5267,7 +5423,11 @@
           </a:lstStyle>
           <a:p>
             <a:r>
-              <a:rPr lang="en-US" dirty="0"/>
+              <a:rPr lang="en-US" sz="1600" dirty="0">
+                <a:solidFill>
+                  <a:srgbClr val="0070C0"/>
+                </a:solidFill>
+              </a:rPr>
               <a:t>result</a:t>
             </a:r>
           </a:p>
@@ -5275,14 +5435,20 @@
       </p:sp>
       <p:sp>
         <p:nvSpPr>
-          <p:cNvPr id="68" name="TextBox 92"/>
+          <p:cNvPr id="25" name="TextBox 92">
+            <a:extLst>
+              <a:ext uri="{FF2B5EF4-FFF2-40B4-BE49-F238E27FC236}">
+                <a16:creationId xmlns:a16="http://schemas.microsoft.com/office/drawing/2014/main" id="{BC959361-42D5-4958-9F1F-0110616ACDE4}"/>
+              </a:ext>
+            </a:extLst>
+          </p:cNvPr>
           <p:cNvSpPr txBox="1"/>
           <p:nvPr/>
         </p:nvSpPr>
         <p:spPr>
           <a:xfrm>
-            <a:off x="2982358" y="2944192"/>
-            <a:ext cx="368162" cy="276999"/>
+            <a:off x="2069774" y="3717032"/>
+            <a:ext cx="220343" cy="246221"/>
           </a:xfrm>
           <a:prstGeom prst="rect">
             <a:avLst/>
@@ -5390,7 +5556,11 @@
           </a:lstStyle>
           <a:p>
             <a:r>
-              <a:rPr lang="en-US" dirty="0"/>
+              <a:rPr lang="en-US" sz="1600" dirty="0">
+                <a:solidFill>
+                  <a:srgbClr val="0070C0"/>
+                </a:solidFill>
+              </a:rPr>
               <a:t>ae</a:t>
             </a:r>
           </a:p>
@@ -5398,14 +5568,20 @@
       </p:sp>
       <p:sp>
         <p:nvSpPr>
-          <p:cNvPr id="69" name="Rectangle 68"/>
+          <p:cNvPr id="26" name="Rectangle 25">
+            <a:extLst>
+              <a:ext uri="{FF2B5EF4-FFF2-40B4-BE49-F238E27FC236}">
+                <a16:creationId xmlns:a16="http://schemas.microsoft.com/office/drawing/2014/main" id="{C2C38FB5-7C95-458F-8951-23D8CC8ECE52}"/>
+              </a:ext>
+            </a:extLst>
+          </p:cNvPr>
           <p:cNvSpPr/>
           <p:nvPr/>
         </p:nvSpPr>
         <p:spPr>
           <a:xfrm>
-            <a:off x="7131897" y="3249791"/>
-            <a:ext cx="1778201" cy="432035"/>
+            <a:off x="7523947" y="4176648"/>
+            <a:ext cx="1532191" cy="432035"/>
           </a:xfrm>
           <a:prstGeom prst="rect">
             <a:avLst/>
@@ -5539,15 +5715,7 @@
                   <a:schemeClr val="bg1"/>
                 </a:solidFill>
               </a:rPr>
-              <a:t>:</a:t>
-            </a:r>
-            <a:r>
-              <a:rPr lang="en-US" sz="1600" dirty="0" err="1">
-                <a:solidFill>
-                  <a:schemeClr val="bg1"/>
-                </a:solidFill>
-              </a:rPr>
-              <a:t>ModelManager</a:t>
+              <a:t>:ModelManager</a:t>
             </a:r>
             <a:endParaRPr lang="en-SG" sz="1600" dirty="0">
               <a:solidFill>
@@ -5559,7 +5727,13 @@
       </p:sp>
       <p:cxnSp>
         <p:nvCxnSpPr>
-          <p:cNvPr id="70" name="Straight Connector 69"/>
+          <p:cNvPr id="27" name="Straight Connector 26">
+            <a:extLst>
+              <a:ext uri="{FF2B5EF4-FFF2-40B4-BE49-F238E27FC236}">
+                <a16:creationId xmlns:a16="http://schemas.microsoft.com/office/drawing/2014/main" id="{6EBD75E8-617B-4B63-9099-F623619A478F}"/>
+              </a:ext>
+            </a:extLst>
+          </p:cNvPr>
           <p:cNvCxnSpPr>
             <a:cxnSpLocks/>
           </p:cNvCxnSpPr>
@@ -5567,7 +5741,7 @@
         </p:nvCxnSpPr>
         <p:spPr>
           <a:xfrm>
-            <a:off x="8062785" y="3672752"/>
+            <a:off x="8767404" y="4636385"/>
             <a:ext cx="0" cy="838201"/>
           </a:xfrm>
           <a:prstGeom prst="line">
@@ -5598,13 +5772,19 @@
       </p:cxnSp>
       <p:sp>
         <p:nvSpPr>
-          <p:cNvPr id="71" name="Rectangle 70"/>
+          <p:cNvPr id="28" name="Rectangle 27">
+            <a:extLst>
+              <a:ext uri="{FF2B5EF4-FFF2-40B4-BE49-F238E27FC236}">
+                <a16:creationId xmlns:a16="http://schemas.microsoft.com/office/drawing/2014/main" id="{0CADEE95-D692-4645-85AC-F1C8C9EFF99F}"/>
+              </a:ext>
+            </a:extLst>
+          </p:cNvPr>
           <p:cNvSpPr/>
           <p:nvPr/>
         </p:nvSpPr>
         <p:spPr>
           <a:xfrm>
-            <a:off x="7959863" y="3977553"/>
+            <a:off x="8658700" y="4904253"/>
             <a:ext cx="217409" cy="351475"/>
           </a:xfrm>
           <a:prstGeom prst="rect">
@@ -5739,7 +5919,13 @@
       </p:sp>
       <p:cxnSp>
         <p:nvCxnSpPr>
-          <p:cNvPr id="72" name="Straight Arrow Connector 71"/>
+          <p:cNvPr id="29" name="Straight Arrow Connector 28">
+            <a:extLst>
+              <a:ext uri="{FF2B5EF4-FFF2-40B4-BE49-F238E27FC236}">
+                <a16:creationId xmlns:a16="http://schemas.microsoft.com/office/drawing/2014/main" id="{EDA7F3DB-6C7B-426F-B4D7-B80CED2F860B}"/>
+              </a:ext>
+            </a:extLst>
+          </p:cNvPr>
           <p:cNvCxnSpPr>
             <a:cxnSpLocks/>
           </p:cNvCxnSpPr>
@@ -5747,8 +5933,8 @@
         </p:nvCxnSpPr>
         <p:spPr>
           <a:xfrm>
-            <a:off x="6362111" y="4008271"/>
-            <a:ext cx="1578521" cy="0"/>
+            <a:off x="7050655" y="4929061"/>
+            <a:ext cx="1608045" cy="0"/>
           </a:xfrm>
           <a:prstGeom prst="straightConnector1">
             <a:avLst/>
@@ -5777,14 +5963,20 @@
       </p:cxnSp>
       <p:sp>
         <p:nvSpPr>
-          <p:cNvPr id="74" name="Rectangle 73"/>
+          <p:cNvPr id="30" name="Rectangle 29">
+            <a:extLst>
+              <a:ext uri="{FF2B5EF4-FFF2-40B4-BE49-F238E27FC236}">
+                <a16:creationId xmlns:a16="http://schemas.microsoft.com/office/drawing/2014/main" id="{D3650DEC-C753-45BE-8778-2894045D8C2E}"/>
+              </a:ext>
+            </a:extLst>
+          </p:cNvPr>
           <p:cNvSpPr/>
           <p:nvPr/>
         </p:nvSpPr>
         <p:spPr>
           <a:xfrm>
-            <a:off x="5701710" y="2293195"/>
-            <a:ext cx="1327100" cy="461538"/>
+            <a:off x="6390254" y="3212976"/>
+            <a:ext cx="1231216" cy="461538"/>
           </a:xfrm>
           <a:prstGeom prst="rect">
             <a:avLst/>
@@ -5945,10 +6137,10 @@
       </p:sp>
       <p:cxnSp>
         <p:nvCxnSpPr>
-          <p:cNvPr id="75" name="Straight Arrow Connector 74">
+          <p:cNvPr id="31" name="Straight Arrow Connector 30">
             <a:extLst>
               <a:ext uri="{FF2B5EF4-FFF2-40B4-BE49-F238E27FC236}">
-                <a16:creationId xmlns:a16="http://schemas.microsoft.com/office/drawing/2014/main" id="{39916E2E-195A-4DC8-B025-B05FA87E6796}"/>
+                <a16:creationId xmlns:a16="http://schemas.microsoft.com/office/drawing/2014/main" id="{B1105E81-C50D-49F4-A3DC-04156B7E48DF}"/>
               </a:ext>
             </a:extLst>
           </p:cNvPr>
@@ -5959,8 +6151,8 @@
         </p:nvCxnSpPr>
         <p:spPr>
           <a:xfrm>
-            <a:off x="2174441" y="3774222"/>
-            <a:ext cx="3966730" cy="8553"/>
+            <a:off x="1310357" y="4581127"/>
+            <a:ext cx="5580000" cy="1"/>
           </a:xfrm>
           <a:prstGeom prst="straightConnector1">
             <a:avLst/>
@@ -5989,10 +6181,10 @@
       </p:cxnSp>
       <p:cxnSp>
         <p:nvCxnSpPr>
-          <p:cNvPr id="76" name="Straight Arrow Connector 75">
+          <p:cNvPr id="32" name="Straight Arrow Connector 31">
             <a:extLst>
               <a:ext uri="{FF2B5EF4-FFF2-40B4-BE49-F238E27FC236}">
-                <a16:creationId xmlns:a16="http://schemas.microsoft.com/office/drawing/2014/main" id="{D881596E-177C-4FDC-8E60-CAB90B3D5FAB}"/>
+                <a16:creationId xmlns:a16="http://schemas.microsoft.com/office/drawing/2014/main" id="{099AB495-AD1B-449F-880A-1C1C502881E9}"/>
               </a:ext>
             </a:extLst>
           </p:cNvPr>
@@ -6003,8 +6195,8 @@
         </p:nvCxnSpPr>
         <p:spPr>
           <a:xfrm>
-            <a:off x="2174441" y="2404209"/>
-            <a:ext cx="2469873" cy="3885"/>
+            <a:off x="1277686" y="2332070"/>
+            <a:ext cx="1782000" cy="1"/>
           </a:xfrm>
           <a:prstGeom prst="straightConnector1">
             <a:avLst/>
@@ -6033,10 +6225,10 @@
       </p:cxnSp>
       <p:cxnSp>
         <p:nvCxnSpPr>
-          <p:cNvPr id="77" name="Straight Arrow Connector 76">
+          <p:cNvPr id="33" name="Straight Arrow Connector 32">
             <a:extLst>
               <a:ext uri="{FF2B5EF4-FFF2-40B4-BE49-F238E27FC236}">
-                <a16:creationId xmlns:a16="http://schemas.microsoft.com/office/drawing/2014/main" id="{7C9F21BC-13A9-471F-825A-2621FD36355F}"/>
+                <a16:creationId xmlns:a16="http://schemas.microsoft.com/office/drawing/2014/main" id="{829B4811-D229-4F58-9C09-686B59012C01}"/>
               </a:ext>
             </a:extLst>
           </p:cNvPr>
@@ -6047,8 +6239,8 @@
         </p:nvCxnSpPr>
         <p:spPr>
           <a:xfrm>
-            <a:off x="2174441" y="5074861"/>
-            <a:ext cx="4017175" cy="0"/>
+            <a:off x="1311003" y="5474586"/>
+            <a:ext cx="5580000" cy="0"/>
           </a:xfrm>
           <a:prstGeom prst="straightConnector1">
             <a:avLst/>
@@ -6079,22 +6271,23 @@
       </p:cxnSp>
       <p:cxnSp>
         <p:nvCxnSpPr>
-          <p:cNvPr id="78" name="Straight Arrow Connector 77">
+          <p:cNvPr id="34" name="Straight Arrow Connector 33">
             <a:extLst>
               <a:ext uri="{FF2B5EF4-FFF2-40B4-BE49-F238E27FC236}">
-                <a16:creationId xmlns:a16="http://schemas.microsoft.com/office/drawing/2014/main" id="{854D9FBB-2B36-4DC9-8B58-F7F177A8E586}"/>
+                <a16:creationId xmlns:a16="http://schemas.microsoft.com/office/drawing/2014/main" id="{C15BC05C-1290-4DC1-9FDB-0A08603F968B}"/>
               </a:ext>
             </a:extLst>
           </p:cNvPr>
           <p:cNvCxnSpPr>
             <a:cxnSpLocks/>
+            <a:endCxn id="28" idx="2"/>
           </p:cNvCxnSpPr>
           <p:nvPr/>
         </p:nvCxnSpPr>
         <p:spPr>
           <a:xfrm>
-            <a:off x="6397018" y="4334938"/>
-            <a:ext cx="1543614" cy="0"/>
+            <a:off x="7038326" y="5255728"/>
+            <a:ext cx="1729079" cy="0"/>
           </a:xfrm>
           <a:prstGeom prst="straightConnector1">
             <a:avLst/>
@@ -6123,7 +6316,855 @@
           </a:fontRef>
         </p:style>
       </p:cxnSp>
+      <p:sp>
+        <p:nvSpPr>
+          <p:cNvPr id="35" name="Rectangle 34">
+            <a:extLst>
+              <a:ext uri="{FF2B5EF4-FFF2-40B4-BE49-F238E27FC236}">
+                <a16:creationId xmlns:a16="http://schemas.microsoft.com/office/drawing/2014/main" id="{C651BED9-BF5C-4100-B2B8-A55AB3124456}"/>
+              </a:ext>
+            </a:extLst>
+          </p:cNvPr>
+          <p:cNvSpPr/>
+          <p:nvPr/>
+        </p:nvSpPr>
+        <p:spPr>
+          <a:xfrm>
+            <a:off x="4510953" y="2204864"/>
+            <a:ext cx="1879295" cy="467684"/>
+          </a:xfrm>
+          <a:prstGeom prst="rect">
+            <a:avLst/>
+          </a:prstGeom>
+          <a:solidFill>
+            <a:srgbClr val="0070C0"/>
+          </a:solidFill>
+          <a:ln w="19050">
+            <a:solidFill>
+              <a:srgbClr val="0070C0"/>
+            </a:solidFill>
+          </a:ln>
+          <a:effectLst/>
+        </p:spPr>
+        <p:style>
+          <a:lnRef idx="1">
+            <a:schemeClr val="accent2"/>
+          </a:lnRef>
+          <a:fillRef idx="2">
+            <a:schemeClr val="accent2"/>
+          </a:fillRef>
+          <a:effectRef idx="1">
+            <a:schemeClr val="accent2"/>
+          </a:effectRef>
+          <a:fontRef idx="minor">
+            <a:schemeClr val="dk1"/>
+          </a:fontRef>
+        </p:style>
+        <p:txBody>
+          <a:bodyPr rtlCol="0" anchor="ctr"/>
+          <a:lstStyle>
+            <a:defPPr>
+              <a:defRPr lang="en-US"/>
+            </a:defPPr>
+            <a:lvl1pPr marL="0" algn="l" defTabSz="914400" rtl="0" eaLnBrk="1" latinLnBrk="0" hangingPunct="1">
+              <a:defRPr sz="1800" kern="1200">
+                <a:solidFill>
+                  <a:schemeClr val="dk1"/>
+                </a:solidFill>
+                <a:latin typeface="+mn-lt"/>
+                <a:ea typeface="+mn-ea"/>
+                <a:cs typeface="+mn-cs"/>
+              </a:defRPr>
+            </a:lvl1pPr>
+            <a:lvl2pPr marL="457200" algn="l" defTabSz="914400" rtl="0" eaLnBrk="1" latinLnBrk="0" hangingPunct="1">
+              <a:defRPr sz="1800" kern="1200">
+                <a:solidFill>
+                  <a:schemeClr val="dk1"/>
+                </a:solidFill>
+                <a:latin typeface="+mn-lt"/>
+                <a:ea typeface="+mn-ea"/>
+                <a:cs typeface="+mn-cs"/>
+              </a:defRPr>
+            </a:lvl2pPr>
+            <a:lvl3pPr marL="914400" algn="l" defTabSz="914400" rtl="0" eaLnBrk="1" latinLnBrk="0" hangingPunct="1">
+              <a:defRPr sz="1800" kern="1200">
+                <a:solidFill>
+                  <a:schemeClr val="dk1"/>
+                </a:solidFill>
+                <a:latin typeface="+mn-lt"/>
+                <a:ea typeface="+mn-ea"/>
+                <a:cs typeface="+mn-cs"/>
+              </a:defRPr>
+            </a:lvl3pPr>
+            <a:lvl4pPr marL="1371600" algn="l" defTabSz="914400" rtl="0" eaLnBrk="1" latinLnBrk="0" hangingPunct="1">
+              <a:defRPr sz="1800" kern="1200">
+                <a:solidFill>
+                  <a:schemeClr val="dk1"/>
+                </a:solidFill>
+                <a:latin typeface="+mn-lt"/>
+                <a:ea typeface="+mn-ea"/>
+                <a:cs typeface="+mn-cs"/>
+              </a:defRPr>
+            </a:lvl4pPr>
+            <a:lvl5pPr marL="1828800" algn="l" defTabSz="914400" rtl="0" eaLnBrk="1" latinLnBrk="0" hangingPunct="1">
+              <a:defRPr sz="1800" kern="1200">
+                <a:solidFill>
+                  <a:schemeClr val="dk1"/>
+                </a:solidFill>
+                <a:latin typeface="+mn-lt"/>
+                <a:ea typeface="+mn-ea"/>
+                <a:cs typeface="+mn-cs"/>
+              </a:defRPr>
+            </a:lvl5pPr>
+            <a:lvl6pPr marL="2286000" algn="l" defTabSz="914400" rtl="0" eaLnBrk="1" latinLnBrk="0" hangingPunct="1">
+              <a:defRPr sz="1800" kern="1200">
+                <a:solidFill>
+                  <a:schemeClr val="dk1"/>
+                </a:solidFill>
+                <a:latin typeface="+mn-lt"/>
+                <a:ea typeface="+mn-ea"/>
+                <a:cs typeface="+mn-cs"/>
+              </a:defRPr>
+            </a:lvl6pPr>
+            <a:lvl7pPr marL="2743200" algn="l" defTabSz="914400" rtl="0" eaLnBrk="1" latinLnBrk="0" hangingPunct="1">
+              <a:defRPr sz="1800" kern="1200">
+                <a:solidFill>
+                  <a:schemeClr val="dk1"/>
+                </a:solidFill>
+                <a:latin typeface="+mn-lt"/>
+                <a:ea typeface="+mn-ea"/>
+                <a:cs typeface="+mn-cs"/>
+              </a:defRPr>
+            </a:lvl7pPr>
+            <a:lvl8pPr marL="3200400" algn="l" defTabSz="914400" rtl="0" eaLnBrk="1" latinLnBrk="0" hangingPunct="1">
+              <a:defRPr sz="1800" kern="1200">
+                <a:solidFill>
+                  <a:schemeClr val="dk1"/>
+                </a:solidFill>
+                <a:latin typeface="+mn-lt"/>
+                <a:ea typeface="+mn-ea"/>
+                <a:cs typeface="+mn-cs"/>
+              </a:defRPr>
+            </a:lvl8pPr>
+            <a:lvl9pPr marL="3657600" algn="l" defTabSz="914400" rtl="0" eaLnBrk="1" latinLnBrk="0" hangingPunct="1">
+              <a:defRPr sz="1800" kern="1200">
+                <a:solidFill>
+                  <a:schemeClr val="dk1"/>
+                </a:solidFill>
+                <a:latin typeface="+mn-lt"/>
+                <a:ea typeface="+mn-ea"/>
+                <a:cs typeface="+mn-cs"/>
+              </a:defRPr>
+            </a:lvl9pPr>
+          </a:lstStyle>
+          <a:p>
+            <a:pPr algn="ctr"/>
+            <a:r>
+              <a:rPr lang="en-US" sz="1600" dirty="0">
+                <a:solidFill>
+                  <a:schemeClr val="bg1"/>
+                </a:solidFill>
+              </a:rPr>
+              <a:t>:</a:t>
+            </a:r>
+            <a:r>
+              <a:rPr lang="en-US" sz="1600" dirty="0" err="1">
+                <a:solidFill>
+                  <a:schemeClr val="bg1"/>
+                </a:solidFill>
+              </a:rPr>
+              <a:t>AddEventCommandParser</a:t>
+            </a:r>
+            <a:endParaRPr lang="en-SG" sz="1600" dirty="0">
+              <a:solidFill>
+                <a:schemeClr val="bg1"/>
+              </a:solidFill>
+            </a:endParaRPr>
+          </a:p>
+        </p:txBody>
+      </p:sp>
+      <p:sp>
+        <p:nvSpPr>
+          <p:cNvPr id="36" name="Rectangle 35">
+            <a:extLst>
+              <a:ext uri="{FF2B5EF4-FFF2-40B4-BE49-F238E27FC236}">
+                <a16:creationId xmlns:a16="http://schemas.microsoft.com/office/drawing/2014/main" id="{048F7F44-DD94-497F-9017-53D21299B70B}"/>
+              </a:ext>
+            </a:extLst>
+          </p:cNvPr>
+          <p:cNvSpPr/>
+          <p:nvPr/>
+        </p:nvSpPr>
+        <p:spPr>
+          <a:xfrm>
+            <a:off x="5310134" y="3411064"/>
+            <a:ext cx="152400" cy="522000"/>
+          </a:xfrm>
+          <a:prstGeom prst="rect">
+            <a:avLst/>
+          </a:prstGeom>
+          <a:solidFill>
+            <a:srgbClr val="0070C0"/>
+          </a:solidFill>
+          <a:ln>
+            <a:solidFill>
+              <a:srgbClr val="0070C0"/>
+            </a:solidFill>
+          </a:ln>
+          <a:effectLst/>
+        </p:spPr>
+        <p:style>
+          <a:lnRef idx="1">
+            <a:schemeClr val="accent3"/>
+          </a:lnRef>
+          <a:fillRef idx="2">
+            <a:schemeClr val="accent3"/>
+          </a:fillRef>
+          <a:effectRef idx="1">
+            <a:schemeClr val="accent3"/>
+          </a:effectRef>
+          <a:fontRef idx="minor">
+            <a:schemeClr val="dk1"/>
+          </a:fontRef>
+        </p:style>
+        <p:txBody>
+          <a:bodyPr rtlCol="0" anchor="ctr"/>
+          <a:lstStyle>
+            <a:defPPr>
+              <a:defRPr lang="en-US"/>
+            </a:defPPr>
+            <a:lvl1pPr marL="0" algn="l" defTabSz="914400" rtl="0" eaLnBrk="1" latinLnBrk="0" hangingPunct="1">
+              <a:defRPr sz="1800" kern="1200">
+                <a:solidFill>
+                  <a:schemeClr val="dk1"/>
+                </a:solidFill>
+                <a:latin typeface="+mn-lt"/>
+                <a:ea typeface="+mn-ea"/>
+                <a:cs typeface="+mn-cs"/>
+              </a:defRPr>
+            </a:lvl1pPr>
+            <a:lvl2pPr marL="457200" algn="l" defTabSz="914400" rtl="0" eaLnBrk="1" latinLnBrk="0" hangingPunct="1">
+              <a:defRPr sz="1800" kern="1200">
+                <a:solidFill>
+                  <a:schemeClr val="dk1"/>
+                </a:solidFill>
+                <a:latin typeface="+mn-lt"/>
+                <a:ea typeface="+mn-ea"/>
+                <a:cs typeface="+mn-cs"/>
+              </a:defRPr>
+            </a:lvl2pPr>
+            <a:lvl3pPr marL="914400" algn="l" defTabSz="914400" rtl="0" eaLnBrk="1" latinLnBrk="0" hangingPunct="1">
+              <a:defRPr sz="1800" kern="1200">
+                <a:solidFill>
+                  <a:schemeClr val="dk1"/>
+                </a:solidFill>
+                <a:latin typeface="+mn-lt"/>
+                <a:ea typeface="+mn-ea"/>
+                <a:cs typeface="+mn-cs"/>
+              </a:defRPr>
+            </a:lvl3pPr>
+            <a:lvl4pPr marL="1371600" algn="l" defTabSz="914400" rtl="0" eaLnBrk="1" latinLnBrk="0" hangingPunct="1">
+              <a:defRPr sz="1800" kern="1200">
+                <a:solidFill>
+                  <a:schemeClr val="dk1"/>
+                </a:solidFill>
+                <a:latin typeface="+mn-lt"/>
+                <a:ea typeface="+mn-ea"/>
+                <a:cs typeface="+mn-cs"/>
+              </a:defRPr>
+            </a:lvl4pPr>
+            <a:lvl5pPr marL="1828800" algn="l" defTabSz="914400" rtl="0" eaLnBrk="1" latinLnBrk="0" hangingPunct="1">
+              <a:defRPr sz="1800" kern="1200">
+                <a:solidFill>
+                  <a:schemeClr val="dk1"/>
+                </a:solidFill>
+                <a:latin typeface="+mn-lt"/>
+                <a:ea typeface="+mn-ea"/>
+                <a:cs typeface="+mn-cs"/>
+              </a:defRPr>
+            </a:lvl5pPr>
+            <a:lvl6pPr marL="2286000" algn="l" defTabSz="914400" rtl="0" eaLnBrk="1" latinLnBrk="0" hangingPunct="1">
+              <a:defRPr sz="1800" kern="1200">
+                <a:solidFill>
+                  <a:schemeClr val="dk1"/>
+                </a:solidFill>
+                <a:latin typeface="+mn-lt"/>
+                <a:ea typeface="+mn-ea"/>
+                <a:cs typeface="+mn-cs"/>
+              </a:defRPr>
+            </a:lvl6pPr>
+            <a:lvl7pPr marL="2743200" algn="l" defTabSz="914400" rtl="0" eaLnBrk="1" latinLnBrk="0" hangingPunct="1">
+              <a:defRPr sz="1800" kern="1200">
+                <a:solidFill>
+                  <a:schemeClr val="dk1"/>
+                </a:solidFill>
+                <a:latin typeface="+mn-lt"/>
+                <a:ea typeface="+mn-ea"/>
+                <a:cs typeface="+mn-cs"/>
+              </a:defRPr>
+            </a:lvl7pPr>
+            <a:lvl8pPr marL="3200400" algn="l" defTabSz="914400" rtl="0" eaLnBrk="1" latinLnBrk="0" hangingPunct="1">
+              <a:defRPr sz="1800" kern="1200">
+                <a:solidFill>
+                  <a:schemeClr val="dk1"/>
+                </a:solidFill>
+                <a:latin typeface="+mn-lt"/>
+                <a:ea typeface="+mn-ea"/>
+                <a:cs typeface="+mn-cs"/>
+              </a:defRPr>
+            </a:lvl8pPr>
+            <a:lvl9pPr marL="3657600" algn="l" defTabSz="914400" rtl="0" eaLnBrk="1" latinLnBrk="0" hangingPunct="1">
+              <a:defRPr sz="1800" kern="1200">
+                <a:solidFill>
+                  <a:schemeClr val="dk1"/>
+                </a:solidFill>
+                <a:latin typeface="+mn-lt"/>
+                <a:ea typeface="+mn-ea"/>
+                <a:cs typeface="+mn-cs"/>
+              </a:defRPr>
+            </a:lvl9pPr>
+          </a:lstStyle>
+          <a:p>
+            <a:pPr algn="ctr"/>
+            <a:endParaRPr lang="en-SG" sz="1400"/>
+          </a:p>
+        </p:txBody>
+      </p:sp>
+      <p:sp>
+        <p:nvSpPr>
+          <p:cNvPr id="37" name="TextBox 79">
+            <a:extLst>
+              <a:ext uri="{FF2B5EF4-FFF2-40B4-BE49-F238E27FC236}">
+                <a16:creationId xmlns:a16="http://schemas.microsoft.com/office/drawing/2014/main" id="{56375C7A-4254-44CA-91DB-F5558F557784}"/>
+              </a:ext>
+            </a:extLst>
+          </p:cNvPr>
+          <p:cNvSpPr txBox="1"/>
+          <p:nvPr/>
+        </p:nvSpPr>
+        <p:spPr>
+          <a:xfrm>
+            <a:off x="3365918" y="2996952"/>
+            <a:ext cx="1944216" cy="369332"/>
+          </a:xfrm>
+          <a:prstGeom prst="rect">
+            <a:avLst/>
+          </a:prstGeom>
+          <a:noFill/>
+        </p:spPr>
+        <p:txBody>
+          <a:bodyPr wrap="square" lIns="0" tIns="0" rIns="0" bIns="0" rtlCol="0">
+            <a:spAutoFit/>
+          </a:bodyPr>
+          <a:lstStyle>
+            <a:defPPr>
+              <a:defRPr lang="en-US"/>
+            </a:defPPr>
+            <a:lvl1pPr marL="0" algn="l" defTabSz="914400" rtl="0" eaLnBrk="1" latinLnBrk="0" hangingPunct="1">
+              <a:defRPr sz="1800" kern="1200">
+                <a:solidFill>
+                  <a:schemeClr val="tx1"/>
+                </a:solidFill>
+                <a:latin typeface="+mn-lt"/>
+                <a:ea typeface="+mn-ea"/>
+                <a:cs typeface="+mn-cs"/>
+              </a:defRPr>
+            </a:lvl1pPr>
+            <a:lvl2pPr marL="457200" algn="l" defTabSz="914400" rtl="0" eaLnBrk="1" latinLnBrk="0" hangingPunct="1">
+              <a:defRPr sz="1800" kern="1200">
+                <a:solidFill>
+                  <a:schemeClr val="tx1"/>
+                </a:solidFill>
+                <a:latin typeface="+mn-lt"/>
+                <a:ea typeface="+mn-ea"/>
+                <a:cs typeface="+mn-cs"/>
+              </a:defRPr>
+            </a:lvl2pPr>
+            <a:lvl3pPr marL="914400" algn="l" defTabSz="914400" rtl="0" eaLnBrk="1" latinLnBrk="0" hangingPunct="1">
+              <a:defRPr sz="1800" kern="1200">
+                <a:solidFill>
+                  <a:schemeClr val="tx1"/>
+                </a:solidFill>
+                <a:latin typeface="+mn-lt"/>
+                <a:ea typeface="+mn-ea"/>
+                <a:cs typeface="+mn-cs"/>
+              </a:defRPr>
+            </a:lvl3pPr>
+            <a:lvl4pPr marL="1371600" algn="l" defTabSz="914400" rtl="0" eaLnBrk="1" latinLnBrk="0" hangingPunct="1">
+              <a:defRPr sz="1800" kern="1200">
+                <a:solidFill>
+                  <a:schemeClr val="tx1"/>
+                </a:solidFill>
+                <a:latin typeface="+mn-lt"/>
+                <a:ea typeface="+mn-ea"/>
+                <a:cs typeface="+mn-cs"/>
+              </a:defRPr>
+            </a:lvl4pPr>
+            <a:lvl5pPr marL="1828800" algn="l" defTabSz="914400" rtl="0" eaLnBrk="1" latinLnBrk="0" hangingPunct="1">
+              <a:defRPr sz="1800" kern="1200">
+                <a:solidFill>
+                  <a:schemeClr val="tx1"/>
+                </a:solidFill>
+                <a:latin typeface="+mn-lt"/>
+                <a:ea typeface="+mn-ea"/>
+                <a:cs typeface="+mn-cs"/>
+              </a:defRPr>
+            </a:lvl5pPr>
+            <a:lvl6pPr marL="2286000" algn="l" defTabSz="914400" rtl="0" eaLnBrk="1" latinLnBrk="0" hangingPunct="1">
+              <a:defRPr sz="1800" kern="1200">
+                <a:solidFill>
+                  <a:schemeClr val="tx1"/>
+                </a:solidFill>
+                <a:latin typeface="+mn-lt"/>
+                <a:ea typeface="+mn-ea"/>
+                <a:cs typeface="+mn-cs"/>
+              </a:defRPr>
+            </a:lvl6pPr>
+            <a:lvl7pPr marL="2743200" algn="l" defTabSz="914400" rtl="0" eaLnBrk="1" latinLnBrk="0" hangingPunct="1">
+              <a:defRPr sz="1800" kern="1200">
+                <a:solidFill>
+                  <a:schemeClr val="tx1"/>
+                </a:solidFill>
+                <a:latin typeface="+mn-lt"/>
+                <a:ea typeface="+mn-ea"/>
+                <a:cs typeface="+mn-cs"/>
+              </a:defRPr>
+            </a:lvl7pPr>
+            <a:lvl8pPr marL="3200400" algn="l" defTabSz="914400" rtl="0" eaLnBrk="1" latinLnBrk="0" hangingPunct="1">
+              <a:defRPr sz="1800" kern="1200">
+                <a:solidFill>
+                  <a:schemeClr val="tx1"/>
+                </a:solidFill>
+                <a:latin typeface="+mn-lt"/>
+                <a:ea typeface="+mn-ea"/>
+                <a:cs typeface="+mn-cs"/>
+              </a:defRPr>
+            </a:lvl8pPr>
+            <a:lvl9pPr marL="3657600" algn="l" defTabSz="914400" rtl="0" eaLnBrk="1" latinLnBrk="0" hangingPunct="1">
+              <a:defRPr sz="1800" kern="1200">
+                <a:solidFill>
+                  <a:schemeClr val="tx1"/>
+                </a:solidFill>
+                <a:latin typeface="+mn-lt"/>
+                <a:ea typeface="+mn-ea"/>
+                <a:cs typeface="+mn-cs"/>
+              </a:defRPr>
+            </a:lvl9pPr>
+          </a:lstStyle>
+          <a:p>
+            <a:r>
+              <a:rPr lang="en-US" sz="1200" dirty="0">
+                <a:solidFill>
+                  <a:srgbClr val="0070C0"/>
+                </a:solidFill>
+              </a:rPr>
+              <a:t>parse (“et/title </a:t>
+            </a:r>
+            <a:r>
+              <a:rPr lang="en-US" sz="1200" dirty="0" err="1">
+                <a:solidFill>
+                  <a:srgbClr val="0070C0"/>
+                </a:solidFill>
+              </a:rPr>
+              <a:t>ed</a:t>
+            </a:r>
+            <a:r>
+              <a:rPr lang="en-US" sz="1200" dirty="0">
+                <a:solidFill>
+                  <a:srgbClr val="0070C0"/>
+                </a:solidFill>
+              </a:rPr>
+              <a:t>/description el/location </a:t>
+            </a:r>
+            <a:r>
+              <a:rPr lang="en-US" sz="1200" dirty="0" err="1">
+                <a:solidFill>
+                  <a:srgbClr val="0070C0"/>
+                </a:solidFill>
+              </a:rPr>
+              <a:t>edt</a:t>
+            </a:r>
+            <a:r>
+              <a:rPr lang="en-US" sz="1200" dirty="0">
+                <a:solidFill>
+                  <a:srgbClr val="0070C0"/>
+                </a:solidFill>
+              </a:rPr>
+              <a:t>/datetime”)</a:t>
+            </a:r>
+          </a:p>
+        </p:txBody>
+      </p:sp>
+      <p:cxnSp>
+        <p:nvCxnSpPr>
+          <p:cNvPr id="38" name="Straight Arrow Connector 37">
+            <a:extLst>
+              <a:ext uri="{FF2B5EF4-FFF2-40B4-BE49-F238E27FC236}">
+                <a16:creationId xmlns:a16="http://schemas.microsoft.com/office/drawing/2014/main" id="{7AFF0BF6-65D5-472F-BDB7-0A09541D88CC}"/>
+              </a:ext>
+            </a:extLst>
+          </p:cNvPr>
+          <p:cNvCxnSpPr/>
+          <p:nvPr/>
+        </p:nvCxnSpPr>
+        <p:spPr>
+          <a:xfrm flipV="1">
+            <a:off x="5471990" y="3501007"/>
+            <a:ext cx="928800" cy="1"/>
+          </a:xfrm>
+          <a:prstGeom prst="straightConnector1">
+            <a:avLst/>
+          </a:prstGeom>
+          <a:ln w="19050">
+            <a:solidFill>
+              <a:srgbClr val="0070C0"/>
+            </a:solidFill>
+            <a:tailEnd type="arrow"/>
+          </a:ln>
+        </p:spPr>
+        <p:style>
+          <a:lnRef idx="1">
+            <a:schemeClr val="accent1"/>
+          </a:lnRef>
+          <a:fillRef idx="0">
+            <a:schemeClr val="accent1"/>
+          </a:fillRef>
+          <a:effectRef idx="0">
+            <a:schemeClr val="accent1"/>
+          </a:effectRef>
+          <a:fontRef idx="minor">
+            <a:schemeClr val="tx1"/>
+          </a:fontRef>
+        </p:style>
+      </p:cxnSp>
+      <p:cxnSp>
+        <p:nvCxnSpPr>
+          <p:cNvPr id="39" name="Straight Connector 38">
+            <a:extLst>
+              <a:ext uri="{FF2B5EF4-FFF2-40B4-BE49-F238E27FC236}">
+                <a16:creationId xmlns:a16="http://schemas.microsoft.com/office/drawing/2014/main" id="{5383411C-F270-4281-AA81-67133C14AE5E}"/>
+              </a:ext>
+            </a:extLst>
+          </p:cNvPr>
+          <p:cNvCxnSpPr>
+            <a:cxnSpLocks/>
+          </p:cNvCxnSpPr>
+          <p:nvPr/>
+        </p:nvCxnSpPr>
+        <p:spPr>
+          <a:xfrm>
+            <a:off x="5382142" y="2636912"/>
+            <a:ext cx="0" cy="1440000"/>
+          </a:xfrm>
+          <a:prstGeom prst="line">
+            <a:avLst/>
+          </a:prstGeom>
+          <a:ln w="19050">
+            <a:solidFill>
+              <a:srgbClr val="0070C0"/>
+            </a:solidFill>
+            <a:prstDash val="sysDash"/>
+          </a:ln>
+          <a:effectLst/>
+        </p:spPr>
+        <p:style>
+          <a:lnRef idx="1">
+            <a:schemeClr val="accent1"/>
+          </a:lnRef>
+          <a:fillRef idx="2">
+            <a:schemeClr val="accent1"/>
+          </a:fillRef>
+          <a:effectRef idx="1">
+            <a:schemeClr val="accent1"/>
+          </a:effectRef>
+          <a:fontRef idx="minor">
+            <a:schemeClr val="dk1"/>
+          </a:fontRef>
+        </p:style>
+      </p:cxnSp>
+      <p:cxnSp>
+        <p:nvCxnSpPr>
+          <p:cNvPr id="40" name="Straight Arrow Connector 39">
+            <a:extLst>
+              <a:ext uri="{FF2B5EF4-FFF2-40B4-BE49-F238E27FC236}">
+                <a16:creationId xmlns:a16="http://schemas.microsoft.com/office/drawing/2014/main" id="{77CBB7AA-B988-4320-BEEE-11422692ADC6}"/>
+              </a:ext>
+            </a:extLst>
+          </p:cNvPr>
+          <p:cNvCxnSpPr/>
+          <p:nvPr/>
+        </p:nvCxnSpPr>
+        <p:spPr>
+          <a:xfrm>
+            <a:off x="5454150" y="3789040"/>
+            <a:ext cx="1458000" cy="0"/>
+          </a:xfrm>
+          <a:prstGeom prst="straightConnector1">
+            <a:avLst/>
+          </a:prstGeom>
+          <a:ln w="19050">
+            <a:solidFill>
+              <a:srgbClr val="0070C0"/>
+            </a:solidFill>
+            <a:prstDash val="sysDash"/>
+            <a:headEnd type="arrow" w="med" len="med"/>
+            <a:tailEnd type="none" w="med" len="med"/>
+          </a:ln>
+        </p:spPr>
+        <p:style>
+          <a:lnRef idx="1">
+            <a:schemeClr val="accent1"/>
+          </a:lnRef>
+          <a:fillRef idx="0">
+            <a:schemeClr val="accent1"/>
+          </a:fillRef>
+          <a:effectRef idx="0">
+            <a:schemeClr val="accent1"/>
+          </a:effectRef>
+          <a:fontRef idx="minor">
+            <a:schemeClr val="tx1"/>
+          </a:fontRef>
+        </p:style>
+      </p:cxnSp>
+      <p:sp>
+        <p:nvSpPr>
+          <p:cNvPr id="41" name="Rectangle 40">
+            <a:extLst>
+              <a:ext uri="{FF2B5EF4-FFF2-40B4-BE49-F238E27FC236}">
+                <a16:creationId xmlns:a16="http://schemas.microsoft.com/office/drawing/2014/main" id="{5B308F3B-1A12-4794-B157-4813534E2FE8}"/>
+              </a:ext>
+            </a:extLst>
+          </p:cNvPr>
+          <p:cNvSpPr/>
+          <p:nvPr/>
+        </p:nvSpPr>
+        <p:spPr>
+          <a:xfrm>
+            <a:off x="5310134" y="2636912"/>
+            <a:ext cx="152400" cy="144000"/>
+          </a:xfrm>
+          <a:prstGeom prst="rect">
+            <a:avLst/>
+          </a:prstGeom>
+          <a:solidFill>
+            <a:srgbClr val="0070C0"/>
+          </a:solidFill>
+          <a:ln>
+            <a:solidFill>
+              <a:srgbClr val="0070C0"/>
+            </a:solidFill>
+          </a:ln>
+          <a:effectLst/>
+        </p:spPr>
+        <p:style>
+          <a:lnRef idx="1">
+            <a:schemeClr val="accent3"/>
+          </a:lnRef>
+          <a:fillRef idx="2">
+            <a:schemeClr val="accent3"/>
+          </a:fillRef>
+          <a:effectRef idx="1">
+            <a:schemeClr val="accent3"/>
+          </a:effectRef>
+          <a:fontRef idx="minor">
+            <a:schemeClr val="dk1"/>
+          </a:fontRef>
+        </p:style>
+        <p:txBody>
+          <a:bodyPr rtlCol="0" anchor="ctr"/>
+          <a:lstStyle>
+            <a:defPPr>
+              <a:defRPr lang="en-US"/>
+            </a:defPPr>
+            <a:lvl1pPr marL="0" algn="l" defTabSz="914400" rtl="0" eaLnBrk="1" latinLnBrk="0" hangingPunct="1">
+              <a:defRPr sz="1800" kern="1200">
+                <a:solidFill>
+                  <a:schemeClr val="dk1"/>
+                </a:solidFill>
+                <a:latin typeface="+mn-lt"/>
+                <a:ea typeface="+mn-ea"/>
+                <a:cs typeface="+mn-cs"/>
+              </a:defRPr>
+            </a:lvl1pPr>
+            <a:lvl2pPr marL="457200" algn="l" defTabSz="914400" rtl="0" eaLnBrk="1" latinLnBrk="0" hangingPunct="1">
+              <a:defRPr sz="1800" kern="1200">
+                <a:solidFill>
+                  <a:schemeClr val="dk1"/>
+                </a:solidFill>
+                <a:latin typeface="+mn-lt"/>
+                <a:ea typeface="+mn-ea"/>
+                <a:cs typeface="+mn-cs"/>
+              </a:defRPr>
+            </a:lvl2pPr>
+            <a:lvl3pPr marL="914400" algn="l" defTabSz="914400" rtl="0" eaLnBrk="1" latinLnBrk="0" hangingPunct="1">
+              <a:defRPr sz="1800" kern="1200">
+                <a:solidFill>
+                  <a:schemeClr val="dk1"/>
+                </a:solidFill>
+                <a:latin typeface="+mn-lt"/>
+                <a:ea typeface="+mn-ea"/>
+                <a:cs typeface="+mn-cs"/>
+              </a:defRPr>
+            </a:lvl3pPr>
+            <a:lvl4pPr marL="1371600" algn="l" defTabSz="914400" rtl="0" eaLnBrk="1" latinLnBrk="0" hangingPunct="1">
+              <a:defRPr sz="1800" kern="1200">
+                <a:solidFill>
+                  <a:schemeClr val="dk1"/>
+                </a:solidFill>
+                <a:latin typeface="+mn-lt"/>
+                <a:ea typeface="+mn-ea"/>
+                <a:cs typeface="+mn-cs"/>
+              </a:defRPr>
+            </a:lvl4pPr>
+            <a:lvl5pPr marL="1828800" algn="l" defTabSz="914400" rtl="0" eaLnBrk="1" latinLnBrk="0" hangingPunct="1">
+              <a:defRPr sz="1800" kern="1200">
+                <a:solidFill>
+                  <a:schemeClr val="dk1"/>
+                </a:solidFill>
+                <a:latin typeface="+mn-lt"/>
+                <a:ea typeface="+mn-ea"/>
+                <a:cs typeface="+mn-cs"/>
+              </a:defRPr>
+            </a:lvl5pPr>
+            <a:lvl6pPr marL="2286000" algn="l" defTabSz="914400" rtl="0" eaLnBrk="1" latinLnBrk="0" hangingPunct="1">
+              <a:defRPr sz="1800" kern="1200">
+                <a:solidFill>
+                  <a:schemeClr val="dk1"/>
+                </a:solidFill>
+                <a:latin typeface="+mn-lt"/>
+                <a:ea typeface="+mn-ea"/>
+                <a:cs typeface="+mn-cs"/>
+              </a:defRPr>
+            </a:lvl6pPr>
+            <a:lvl7pPr marL="2743200" algn="l" defTabSz="914400" rtl="0" eaLnBrk="1" latinLnBrk="0" hangingPunct="1">
+              <a:defRPr sz="1800" kern="1200">
+                <a:solidFill>
+                  <a:schemeClr val="dk1"/>
+                </a:solidFill>
+                <a:latin typeface="+mn-lt"/>
+                <a:ea typeface="+mn-ea"/>
+                <a:cs typeface="+mn-cs"/>
+              </a:defRPr>
+            </a:lvl7pPr>
+            <a:lvl8pPr marL="3200400" algn="l" defTabSz="914400" rtl="0" eaLnBrk="1" latinLnBrk="0" hangingPunct="1">
+              <a:defRPr sz="1800" kern="1200">
+                <a:solidFill>
+                  <a:schemeClr val="dk1"/>
+                </a:solidFill>
+                <a:latin typeface="+mn-lt"/>
+                <a:ea typeface="+mn-ea"/>
+                <a:cs typeface="+mn-cs"/>
+              </a:defRPr>
+            </a:lvl8pPr>
+            <a:lvl9pPr marL="3657600" algn="l" defTabSz="914400" rtl="0" eaLnBrk="1" latinLnBrk="0" hangingPunct="1">
+              <a:defRPr sz="1800" kern="1200">
+                <a:solidFill>
+                  <a:schemeClr val="dk1"/>
+                </a:solidFill>
+                <a:latin typeface="+mn-lt"/>
+                <a:ea typeface="+mn-ea"/>
+                <a:cs typeface="+mn-cs"/>
+              </a:defRPr>
+            </a:lvl9pPr>
+          </a:lstStyle>
+          <a:p>
+            <a:pPr algn="ctr"/>
+            <a:endParaRPr lang="en-SG" sz="1400"/>
+          </a:p>
+        </p:txBody>
+      </p:sp>
+      <p:cxnSp>
+        <p:nvCxnSpPr>
+          <p:cNvPr id="42" name="Straight Arrow Connector 41">
+            <a:extLst>
+              <a:ext uri="{FF2B5EF4-FFF2-40B4-BE49-F238E27FC236}">
+                <a16:creationId xmlns:a16="http://schemas.microsoft.com/office/drawing/2014/main" id="{1F608BE5-400E-48D8-A2DC-2E7DEE00A59F}"/>
+              </a:ext>
+            </a:extLst>
+          </p:cNvPr>
+          <p:cNvCxnSpPr/>
+          <p:nvPr/>
+        </p:nvCxnSpPr>
+        <p:spPr>
+          <a:xfrm>
+            <a:off x="3186134" y="2780928"/>
+            <a:ext cx="2124000" cy="0"/>
+          </a:xfrm>
+          <a:prstGeom prst="straightConnector1">
+            <a:avLst/>
+          </a:prstGeom>
+          <a:ln w="19050">
+            <a:solidFill>
+              <a:srgbClr val="0070C0"/>
+            </a:solidFill>
+            <a:prstDash val="sysDash"/>
+            <a:headEnd type="arrow" w="med" len="med"/>
+            <a:tailEnd type="none" w="med" len="med"/>
+          </a:ln>
+        </p:spPr>
+        <p:style>
+          <a:lnRef idx="1">
+            <a:schemeClr val="accent1"/>
+          </a:lnRef>
+          <a:fillRef idx="0">
+            <a:schemeClr val="accent1"/>
+          </a:fillRef>
+          <a:effectRef idx="0">
+            <a:schemeClr val="accent1"/>
+          </a:effectRef>
+          <a:fontRef idx="minor">
+            <a:schemeClr val="tx1"/>
+          </a:fontRef>
+        </p:style>
+      </p:cxnSp>
+      <p:cxnSp>
+        <p:nvCxnSpPr>
+          <p:cNvPr id="43" name="Straight Arrow Connector 42">
+            <a:extLst>
+              <a:ext uri="{FF2B5EF4-FFF2-40B4-BE49-F238E27FC236}">
+                <a16:creationId xmlns:a16="http://schemas.microsoft.com/office/drawing/2014/main" id="{215F12BF-D599-4386-B58E-9D3B99010CA2}"/>
+              </a:ext>
+            </a:extLst>
+          </p:cNvPr>
+          <p:cNvCxnSpPr/>
+          <p:nvPr/>
+        </p:nvCxnSpPr>
+        <p:spPr>
+          <a:xfrm flipV="1">
+            <a:off x="3186046" y="3428999"/>
+            <a:ext cx="2142000" cy="1"/>
+          </a:xfrm>
+          <a:prstGeom prst="straightConnector1">
+            <a:avLst/>
+          </a:prstGeom>
+          <a:ln w="19050">
+            <a:solidFill>
+              <a:srgbClr val="0070C0"/>
+            </a:solidFill>
+            <a:tailEnd type="arrow"/>
+          </a:ln>
+        </p:spPr>
+        <p:style>
+          <a:lnRef idx="1">
+            <a:schemeClr val="accent1"/>
+          </a:lnRef>
+          <a:fillRef idx="0">
+            <a:schemeClr val="accent1"/>
+          </a:fillRef>
+          <a:effectRef idx="0">
+            <a:schemeClr val="accent1"/>
+          </a:effectRef>
+          <a:fontRef idx="minor">
+            <a:schemeClr val="tx1"/>
+          </a:fontRef>
+        </p:style>
+      </p:cxnSp>
     </p:spTree>
+    <p:extLst>
+      <p:ext uri="{BB962C8B-B14F-4D97-AF65-F5344CB8AC3E}">
+        <p14:creationId xmlns:p14="http://schemas.microsoft.com/office/powerpoint/2010/main" val="1457639581"/>
+      </p:ext>
+    </p:extLst>
   </p:cSld>
   <p:clrMapOvr>
     <a:masterClrMapping/>
